--- a/PPT/Python01.pptx
+++ b/PPT/Python01.pptx
@@ -44,6 +44,21 @@
     <p:sldId id="291" r:id="rId38"/>
     <p:sldId id="292" r:id="rId39"/>
     <p:sldId id="293" r:id="rId40"/>
+    <p:sldId id="295" r:id="rId41"/>
+    <p:sldId id="296" r:id="rId42"/>
+    <p:sldId id="297" r:id="rId43"/>
+    <p:sldId id="298" r:id="rId44"/>
+    <p:sldId id="299" r:id="rId45"/>
+    <p:sldId id="300" r:id="rId46"/>
+    <p:sldId id="301" r:id="rId47"/>
+    <p:sldId id="302" r:id="rId48"/>
+    <p:sldId id="303" r:id="rId49"/>
+    <p:sldId id="304" r:id="rId50"/>
+    <p:sldId id="305" r:id="rId51"/>
+    <p:sldId id="306" r:id="rId52"/>
+    <p:sldId id="307" r:id="rId53"/>
+    <p:sldId id="309" r:id="rId54"/>
+    <p:sldId id="308" r:id="rId55"/>
   </p:sldIdLst>
   <p:sldSz cx="12192000" cy="6858000"/>
   <p:notesSz cx="6858000" cy="9144000"/>
@@ -186,9 +201,27 @@
             <p14:sldId id="291"/>
             <p14:sldId id="292"/>
             <p14:sldId id="293"/>
+            <p14:sldId id="295"/>
+            <p14:sldId id="296"/>
+            <p14:sldId id="297"/>
+            <p14:sldId id="298"/>
+            <p14:sldId id="299"/>
+            <p14:sldId id="300"/>
+            <p14:sldId id="301"/>
+            <p14:sldId id="302"/>
+            <p14:sldId id="303"/>
+            <p14:sldId id="304"/>
+            <p14:sldId id="305"/>
+            <p14:sldId id="306"/>
+            <p14:sldId id="307"/>
+            <p14:sldId id="309"/>
+            <p14:sldId id="308"/>
           </p14:sldIdLst>
         </p14:section>
       </p14:sectionLst>
+    </p:ext>
+    <p:ext uri="{EFAFB233-063F-42B5-8137-9DF3F51BA10A}">
+      <p15:sldGuideLst xmlns:p15="http://schemas.microsoft.com/office/powerpoint/2012/main"/>
     </p:ext>
   </p:extLst>
 </p:presentation>
@@ -3097,6 +3130,10 @@
           <a:bodyPr/>
           <a:lstStyle/>
           <a:p>
+            <a:r>
+              <a:rPr lang="zh-CN" altLang="en-US" dirty="0" smtClean="0"/>
+              <a:t>半土</a:t>
+            </a:r>
             <a:endParaRPr lang="zh-CN" altLang="en-US" dirty="0"/>
           </a:p>
         </p:txBody>
@@ -5885,7 +5922,11 @@
           <a:p>
             <a:r>
               <a:rPr lang="zh-CN" altLang="en-US" dirty="0" smtClean="0"/>
-              <a:t>目标：写出九九乘法表</a:t>
+              <a:t>实战：</a:t>
+            </a:r>
+            <a:r>
+              <a:rPr lang="zh-CN" altLang="en-US" dirty="0" smtClean="0"/>
+              <a:t>写出九九乘法表</a:t>
             </a:r>
             <a:endParaRPr lang="zh-CN" altLang="en-US" dirty="0"/>
           </a:p>
@@ -6220,7 +6261,7 @@
           <p:nvPr/>
         </p:nvPicPr>
         <p:blipFill>
-          <a:blip r:embed="rId3">
+          <a:blip r:embed="rId2">
             <a:extLst>
               <a:ext uri="{28A0092B-C50C-407E-A947-70E740481C1C}">
                 <a14:useLocalDpi xmlns:a14="http://schemas.microsoft.com/office/drawing/2010/main" val="0"/>
@@ -11152,6 +11193,2351 @@
 </p:sld>
 </file>
 
+<file path=ppt/slides/slide40.xml><?xml version="1.0" encoding="utf-8"?>
+<p:sld xmlns:a="http://schemas.openxmlformats.org/drawingml/2006/main" xmlns:r="http://schemas.openxmlformats.org/officeDocument/2006/relationships" xmlns:p="http://schemas.openxmlformats.org/presentationml/2006/main">
+  <p:cSld>
+    <p:spTree>
+      <p:nvGrpSpPr>
+        <p:cNvPr id="1" name=""/>
+        <p:cNvGrpSpPr/>
+        <p:nvPr/>
+      </p:nvGrpSpPr>
+      <p:grpSpPr>
+        <a:xfrm>
+          <a:off x="0" y="0"/>
+          <a:ext cx="0" cy="0"/>
+          <a:chOff x="0" y="0"/>
+          <a:chExt cx="0" cy="0"/>
+        </a:xfrm>
+      </p:grpSpPr>
+      <p:sp>
+        <p:nvSpPr>
+          <p:cNvPr id="2" name="标题 1"/>
+          <p:cNvSpPr>
+            <a:spLocks noGrp="1"/>
+          </p:cNvSpPr>
+          <p:nvPr>
+            <p:ph type="title"/>
+          </p:nvPr>
+        </p:nvSpPr>
+        <p:spPr/>
+        <p:txBody>
+          <a:bodyPr/>
+          <a:lstStyle/>
+          <a:p>
+            <a:r>
+              <a:rPr lang="en-US" altLang="zh-CN" dirty="0"/>
+              <a:t>Python</a:t>
+            </a:r>
+            <a:r>
+              <a:rPr lang="zh-CN" altLang="en-US" dirty="0"/>
+              <a:t>的数据类型</a:t>
+            </a:r>
+          </a:p>
+        </p:txBody>
+      </p:sp>
+      <p:sp>
+        <p:nvSpPr>
+          <p:cNvPr id="3" name="内容占位符 2"/>
+          <p:cNvSpPr>
+            <a:spLocks noGrp="1"/>
+          </p:cNvSpPr>
+          <p:nvPr>
+            <p:ph idx="1"/>
+          </p:nvPr>
+        </p:nvSpPr>
+        <p:spPr/>
+        <p:txBody>
+          <a:bodyPr>
+            <a:normAutofit fontScale="92500" lnSpcReduction="20000"/>
+          </a:bodyPr>
+          <a:lstStyle/>
+          <a:p>
+            <a:pPr marL="0" indent="0">
+              <a:buNone/>
+            </a:pPr>
+            <a:r>
+              <a:rPr lang="en-US" altLang="zh-CN" dirty="0"/>
+              <a:t>&gt;&gt;&gt; a=[('</a:t>
+            </a:r>
+            <a:r>
+              <a:rPr lang="en-US" altLang="zh-CN" dirty="0" err="1"/>
+              <a:t>a','AAA</a:t>
+            </a:r>
+            <a:r>
+              <a:rPr lang="en-US" altLang="zh-CN" dirty="0"/>
+              <a:t>'),('</a:t>
+            </a:r>
+            <a:r>
+              <a:rPr lang="en-US" altLang="zh-CN" dirty="0" err="1"/>
+              <a:t>b',"BBBB</a:t>
+            </a:r>
+            <a:r>
+              <a:rPr lang="en-US" altLang="zh-CN" dirty="0"/>
+              <a:t>")]</a:t>
+            </a:r>
+          </a:p>
+          <a:p>
+            <a:pPr marL="0" indent="0">
+              <a:buNone/>
+            </a:pPr>
+            <a:r>
+              <a:rPr lang="en-US" altLang="zh-CN" dirty="0"/>
+              <a:t>&gt;&gt;&gt; a</a:t>
+            </a:r>
+          </a:p>
+          <a:p>
+            <a:pPr marL="0" indent="0">
+              <a:buNone/>
+            </a:pPr>
+            <a:r>
+              <a:rPr lang="en-US" altLang="zh-CN" dirty="0"/>
+              <a:t>[('a', 'AAA'), ('b', 'BBBB')]</a:t>
+            </a:r>
+          </a:p>
+          <a:p>
+            <a:pPr marL="0" indent="0">
+              <a:buNone/>
+            </a:pPr>
+            <a:r>
+              <a:rPr lang="en-US" altLang="zh-CN" dirty="0"/>
+              <a:t>&gt;&gt;&gt; </a:t>
+            </a:r>
+            <a:r>
+              <a:rPr lang="en-US" altLang="zh-CN" dirty="0" err="1"/>
+              <a:t>dict</a:t>
+            </a:r>
+            <a:r>
+              <a:rPr lang="en-US" altLang="zh-CN" dirty="0"/>
+              <a:t>(a)</a:t>
+            </a:r>
+          </a:p>
+          <a:p>
+            <a:pPr marL="0" indent="0">
+              <a:buNone/>
+            </a:pPr>
+            <a:r>
+              <a:rPr lang="en-US" altLang="zh-CN" dirty="0"/>
+              <a:t>{'b': 'BBBB', 'a': 'AAA'}</a:t>
+            </a:r>
+          </a:p>
+          <a:p>
+            <a:pPr marL="0" indent="0">
+              <a:buNone/>
+            </a:pPr>
+            <a:r>
+              <a:rPr lang="en-US" altLang="zh-CN" dirty="0"/>
+              <a:t>&gt;&gt;&gt; m=</a:t>
+            </a:r>
+            <a:r>
+              <a:rPr lang="en-US" altLang="zh-CN" dirty="0" err="1"/>
+              <a:t>dict</a:t>
+            </a:r>
+            <a:r>
+              <a:rPr lang="en-US" altLang="zh-CN" dirty="0"/>
+              <a:t>(a)</a:t>
+            </a:r>
+          </a:p>
+          <a:p>
+            <a:pPr marL="0" indent="0">
+              <a:buNone/>
+            </a:pPr>
+            <a:r>
+              <a:rPr lang="en-US" altLang="zh-CN" dirty="0"/>
+              <a:t>&gt;&gt;&gt; m['b']</a:t>
+            </a:r>
+          </a:p>
+          <a:p>
+            <a:pPr marL="0" indent="0">
+              <a:buNone/>
+            </a:pPr>
+            <a:r>
+              <a:rPr lang="en-US" altLang="zh-CN" dirty="0"/>
+              <a:t>'BBBB'</a:t>
+            </a:r>
+          </a:p>
+          <a:p>
+            <a:pPr marL="0" indent="0">
+              <a:buNone/>
+            </a:pPr>
+            <a:r>
+              <a:rPr lang="en-US" altLang="zh-CN" dirty="0"/>
+              <a:t>&gt;&gt;&gt; type(m)</a:t>
+            </a:r>
+          </a:p>
+          <a:p>
+            <a:pPr marL="0" indent="0">
+              <a:buNone/>
+            </a:pPr>
+            <a:r>
+              <a:rPr lang="en-US" altLang="zh-CN" dirty="0"/>
+              <a:t>&lt;class '</a:t>
+            </a:r>
+            <a:r>
+              <a:rPr lang="en-US" altLang="zh-CN" dirty="0" err="1"/>
+              <a:t>dict</a:t>
+            </a:r>
+            <a:r>
+              <a:rPr lang="en-US" altLang="zh-CN" dirty="0"/>
+              <a:t>'&gt;</a:t>
+            </a:r>
+          </a:p>
+          <a:p>
+            <a:endParaRPr lang="zh-CN" altLang="en-US" dirty="0"/>
+          </a:p>
+        </p:txBody>
+      </p:sp>
+    </p:spTree>
+    <p:extLst>
+      <p:ext uri="{BB962C8B-B14F-4D97-AF65-F5344CB8AC3E}">
+        <p14:creationId xmlns:p14="http://schemas.microsoft.com/office/powerpoint/2010/main" val="2888074339"/>
+      </p:ext>
+    </p:extLst>
+  </p:cSld>
+  <p:clrMapOvr>
+    <a:masterClrMapping/>
+  </p:clrMapOvr>
+</p:sld>
+</file>
+
+<file path=ppt/slides/slide41.xml><?xml version="1.0" encoding="utf-8"?>
+<p:sld xmlns:a="http://schemas.openxmlformats.org/drawingml/2006/main" xmlns:r="http://schemas.openxmlformats.org/officeDocument/2006/relationships" xmlns:p="http://schemas.openxmlformats.org/presentationml/2006/main">
+  <p:cSld>
+    <p:spTree>
+      <p:nvGrpSpPr>
+        <p:cNvPr id="1" name=""/>
+        <p:cNvGrpSpPr/>
+        <p:nvPr/>
+      </p:nvGrpSpPr>
+      <p:grpSpPr>
+        <a:xfrm>
+          <a:off x="0" y="0"/>
+          <a:ext cx="0" cy="0"/>
+          <a:chOff x="0" y="0"/>
+          <a:chExt cx="0" cy="0"/>
+        </a:xfrm>
+      </p:grpSpPr>
+      <p:sp>
+        <p:nvSpPr>
+          <p:cNvPr id="2" name="标题 1"/>
+          <p:cNvSpPr>
+            <a:spLocks noGrp="1"/>
+          </p:cNvSpPr>
+          <p:nvPr>
+            <p:ph type="title"/>
+          </p:nvPr>
+        </p:nvSpPr>
+        <p:spPr/>
+        <p:txBody>
+          <a:bodyPr/>
+          <a:lstStyle/>
+          <a:p>
+            <a:r>
+              <a:rPr lang="en-US" altLang="zh-CN" dirty="0"/>
+              <a:t>Python</a:t>
+            </a:r>
+            <a:r>
+              <a:rPr lang="zh-CN" altLang="en-US" dirty="0"/>
+              <a:t>的数据类型</a:t>
+            </a:r>
+          </a:p>
+        </p:txBody>
+      </p:sp>
+      <p:sp>
+        <p:nvSpPr>
+          <p:cNvPr id="3" name="内容占位符 2"/>
+          <p:cNvSpPr>
+            <a:spLocks noGrp="1"/>
+          </p:cNvSpPr>
+          <p:nvPr>
+            <p:ph idx="1"/>
+          </p:nvPr>
+        </p:nvSpPr>
+        <p:spPr/>
+        <p:txBody>
+          <a:bodyPr/>
+          <a:lstStyle/>
+          <a:p>
+            <a:pPr marL="0" indent="0">
+              <a:buNone/>
+            </a:pPr>
+            <a:r>
+              <a:rPr lang="en-US" altLang="zh-CN" dirty="0"/>
+              <a:t>•  </a:t>
+            </a:r>
+            <a:r>
+              <a:rPr lang="en-US" altLang="zh-CN" dirty="0" err="1"/>
+              <a:t>frozenset</a:t>
+            </a:r>
+            <a:r>
+              <a:rPr lang="en-US" altLang="zh-CN" dirty="0"/>
+              <a:t>(s)---</a:t>
+            </a:r>
+            <a:r>
+              <a:rPr lang="zh-CN" altLang="en-US" dirty="0"/>
+              <a:t>转换为不可变集合</a:t>
+            </a:r>
+          </a:p>
+          <a:p>
+            <a:pPr marL="0" indent="0">
+              <a:buNone/>
+            </a:pPr>
+            <a:r>
+              <a:rPr lang="en-US" altLang="zh-CN" dirty="0"/>
+              <a:t>•  </a:t>
+            </a:r>
+            <a:r>
+              <a:rPr lang="en-US" altLang="zh-CN" dirty="0" err="1"/>
+              <a:t>chr</a:t>
+            </a:r>
+            <a:r>
+              <a:rPr lang="en-US" altLang="zh-CN" dirty="0"/>
+              <a:t>(x)---</a:t>
+            </a:r>
+            <a:r>
+              <a:rPr lang="zh-CN" altLang="en-US" dirty="0"/>
+              <a:t>将一个整数转换为一个字符</a:t>
+            </a:r>
+          </a:p>
+          <a:p>
+            <a:pPr marL="0" indent="0">
+              <a:buNone/>
+            </a:pPr>
+            <a:r>
+              <a:rPr lang="en-US" altLang="zh-CN" dirty="0"/>
+              <a:t>•  </a:t>
+            </a:r>
+            <a:r>
+              <a:rPr lang="en-US" altLang="zh-CN" dirty="0" err="1"/>
+              <a:t>unichr</a:t>
+            </a:r>
+            <a:r>
+              <a:rPr lang="en-US" altLang="zh-CN" dirty="0"/>
+              <a:t>(x)---</a:t>
+            </a:r>
+            <a:r>
+              <a:rPr lang="zh-CN" altLang="en-US" dirty="0"/>
+              <a:t>将一个整数转换为</a:t>
+            </a:r>
+            <a:r>
+              <a:rPr lang="en-US" altLang="zh-CN" dirty="0"/>
+              <a:t>Unicode</a:t>
+            </a:r>
+            <a:r>
+              <a:rPr lang="zh-CN" altLang="en-US" dirty="0"/>
+              <a:t>字符</a:t>
+            </a:r>
+          </a:p>
+          <a:p>
+            <a:pPr marL="0" indent="0">
+              <a:buNone/>
+            </a:pPr>
+            <a:r>
+              <a:rPr lang="en-US" altLang="zh-CN" dirty="0"/>
+              <a:t>•  </a:t>
+            </a:r>
+            <a:r>
+              <a:rPr lang="en-US" altLang="zh-CN" dirty="0" err="1"/>
+              <a:t>ord</a:t>
+            </a:r>
+            <a:r>
+              <a:rPr lang="en-US" altLang="zh-CN" dirty="0"/>
+              <a:t>(x)---</a:t>
+            </a:r>
+            <a:r>
+              <a:rPr lang="zh-CN" altLang="en-US" dirty="0"/>
+              <a:t>将一个字符转换为它的整数值</a:t>
+            </a:r>
+          </a:p>
+          <a:p>
+            <a:pPr marL="0" indent="0">
+              <a:buNone/>
+            </a:pPr>
+            <a:r>
+              <a:rPr lang="en-US" altLang="zh-CN" dirty="0"/>
+              <a:t>•  hex(x)---</a:t>
+            </a:r>
+            <a:r>
+              <a:rPr lang="zh-CN" altLang="en-US" dirty="0"/>
+              <a:t>将一个整数转换为一个十六进制字符串</a:t>
+            </a:r>
+          </a:p>
+          <a:p>
+            <a:pPr marL="0" indent="0">
+              <a:buNone/>
+            </a:pPr>
+            <a:r>
+              <a:rPr lang="en-US" altLang="zh-CN" dirty="0"/>
+              <a:t>•  </a:t>
+            </a:r>
+            <a:r>
+              <a:rPr lang="en-US" altLang="zh-CN" dirty="0" err="1"/>
+              <a:t>oct</a:t>
+            </a:r>
+            <a:r>
+              <a:rPr lang="en-US" altLang="zh-CN" dirty="0"/>
+              <a:t>(x)---</a:t>
+            </a:r>
+            <a:r>
+              <a:rPr lang="zh-CN" altLang="en-US" dirty="0"/>
+              <a:t>将一个整数转换为一个八进制字符串</a:t>
+            </a:r>
+          </a:p>
+          <a:p>
+            <a:endParaRPr lang="zh-CN" altLang="en-US" dirty="0"/>
+          </a:p>
+        </p:txBody>
+      </p:sp>
+    </p:spTree>
+    <p:extLst>
+      <p:ext uri="{BB962C8B-B14F-4D97-AF65-F5344CB8AC3E}">
+        <p14:creationId xmlns:p14="http://schemas.microsoft.com/office/powerpoint/2010/main" val="3245956518"/>
+      </p:ext>
+    </p:extLst>
+  </p:cSld>
+  <p:clrMapOvr>
+    <a:masterClrMapping/>
+  </p:clrMapOvr>
+</p:sld>
+</file>
+
+<file path=ppt/slides/slide42.xml><?xml version="1.0" encoding="utf-8"?>
+<p:sld xmlns:a="http://schemas.openxmlformats.org/drawingml/2006/main" xmlns:r="http://schemas.openxmlformats.org/officeDocument/2006/relationships" xmlns:p="http://schemas.openxmlformats.org/presentationml/2006/main">
+  <p:cSld>
+    <p:spTree>
+      <p:nvGrpSpPr>
+        <p:cNvPr id="1" name=""/>
+        <p:cNvGrpSpPr/>
+        <p:nvPr/>
+      </p:nvGrpSpPr>
+      <p:grpSpPr>
+        <a:xfrm>
+          <a:off x="0" y="0"/>
+          <a:ext cx="0" cy="0"/>
+          <a:chOff x="0" y="0"/>
+          <a:chExt cx="0" cy="0"/>
+        </a:xfrm>
+      </p:grpSpPr>
+      <p:sp>
+        <p:nvSpPr>
+          <p:cNvPr id="2" name="标题 1"/>
+          <p:cNvSpPr>
+            <a:spLocks noGrp="1"/>
+          </p:cNvSpPr>
+          <p:nvPr>
+            <p:ph type="title"/>
+          </p:nvPr>
+        </p:nvSpPr>
+        <p:spPr/>
+        <p:txBody>
+          <a:bodyPr/>
+          <a:lstStyle/>
+          <a:p>
+            <a:r>
+              <a:rPr lang="en-US" altLang="zh-CN" dirty="0"/>
+              <a:t>Python </a:t>
+            </a:r>
+            <a:r>
+              <a:rPr lang="zh-CN" altLang="en-US" dirty="0"/>
+              <a:t>的分支</a:t>
+            </a:r>
+            <a:r>
+              <a:rPr lang="zh-CN" altLang="en-US" dirty="0" smtClean="0"/>
+              <a:t>结构</a:t>
+            </a:r>
+            <a:endParaRPr lang="zh-CN" altLang="en-US" dirty="0"/>
+          </a:p>
+        </p:txBody>
+      </p:sp>
+      <p:sp>
+        <p:nvSpPr>
+          <p:cNvPr id="3" name="内容占位符 2"/>
+          <p:cNvSpPr>
+            <a:spLocks noGrp="1"/>
+          </p:cNvSpPr>
+          <p:nvPr>
+            <p:ph idx="1"/>
+          </p:nvPr>
+        </p:nvSpPr>
+        <p:spPr/>
+        <p:txBody>
+          <a:bodyPr/>
+          <a:lstStyle/>
+          <a:p>
+            <a:pPr marL="0" indent="0">
+              <a:buNone/>
+            </a:pPr>
+            <a:r>
+              <a:rPr lang="zh-CN" altLang="en-US" dirty="0"/>
+              <a:t>流程控制介绍</a:t>
+            </a:r>
+          </a:p>
+          <a:p>
+            <a:pPr marL="0" indent="0">
+              <a:buNone/>
+            </a:pPr>
+            <a:r>
+              <a:rPr lang="en-US" altLang="zh-CN" dirty="0"/>
+              <a:t>• </a:t>
+            </a:r>
+            <a:r>
+              <a:rPr lang="zh-CN" altLang="en-US" dirty="0"/>
+              <a:t>流程</a:t>
+            </a:r>
+            <a:r>
+              <a:rPr lang="en-US" altLang="zh-CN" dirty="0"/>
+              <a:t>: </a:t>
+            </a:r>
+            <a:r>
+              <a:rPr lang="zh-CN" altLang="en-US" dirty="0"/>
+              <a:t>计算机执行代码的顺序就是流程</a:t>
+            </a:r>
+          </a:p>
+          <a:p>
+            <a:pPr marL="0" indent="0">
+              <a:buNone/>
+            </a:pPr>
+            <a:r>
+              <a:rPr lang="en-US" altLang="zh-CN" dirty="0"/>
+              <a:t>• </a:t>
+            </a:r>
+            <a:r>
+              <a:rPr lang="zh-CN" altLang="en-US" dirty="0"/>
+              <a:t>流程控制</a:t>
+            </a:r>
+            <a:r>
+              <a:rPr lang="en-US" altLang="zh-CN" dirty="0"/>
+              <a:t>: </a:t>
+            </a:r>
+            <a:r>
+              <a:rPr lang="zh-CN" altLang="en-US" dirty="0"/>
+              <a:t>对计算机代码执行顺序的管理就是流程控制</a:t>
+            </a:r>
+          </a:p>
+          <a:p>
+            <a:pPr marL="0" indent="0">
+              <a:buNone/>
+            </a:pPr>
+            <a:r>
+              <a:rPr lang="en-US" altLang="zh-CN" dirty="0"/>
+              <a:t>• </a:t>
+            </a:r>
+            <a:r>
+              <a:rPr lang="zh-CN" altLang="en-US" dirty="0"/>
+              <a:t>流程分类</a:t>
+            </a:r>
+            <a:r>
+              <a:rPr lang="en-US" altLang="zh-CN" dirty="0"/>
+              <a:t>: </a:t>
+            </a:r>
+            <a:r>
+              <a:rPr lang="zh-CN" altLang="en-US" dirty="0"/>
+              <a:t>流程控制一共分为三类：</a:t>
+            </a:r>
+          </a:p>
+          <a:p>
+            <a:pPr marL="0" indent="0">
+              <a:buNone/>
+            </a:pPr>
+            <a:r>
+              <a:rPr lang="en-US" altLang="zh-CN" dirty="0"/>
+              <a:t>1. </a:t>
+            </a:r>
+            <a:r>
+              <a:rPr lang="zh-CN" altLang="en-US" dirty="0"/>
+              <a:t>顺序结构</a:t>
+            </a:r>
+          </a:p>
+          <a:p>
+            <a:pPr marL="0" indent="0">
+              <a:buNone/>
+            </a:pPr>
+            <a:r>
+              <a:rPr lang="en-US" altLang="zh-CN" dirty="0"/>
+              <a:t>2. </a:t>
+            </a:r>
+            <a:r>
+              <a:rPr lang="zh-CN" altLang="en-US" dirty="0"/>
+              <a:t>分支结构</a:t>
+            </a:r>
+            <a:r>
+              <a:rPr lang="en-US" altLang="zh-CN" dirty="0"/>
+              <a:t>/</a:t>
+            </a:r>
+            <a:r>
+              <a:rPr lang="zh-CN" altLang="en-US" dirty="0"/>
+              <a:t>选择结构</a:t>
+            </a:r>
+          </a:p>
+          <a:p>
+            <a:pPr marL="0" indent="0">
+              <a:buNone/>
+            </a:pPr>
+            <a:r>
+              <a:rPr lang="en-US" altLang="zh-CN" dirty="0"/>
+              <a:t>3. </a:t>
+            </a:r>
+            <a:r>
+              <a:rPr lang="zh-CN" altLang="en-US" dirty="0"/>
+              <a:t>循环结构</a:t>
+            </a:r>
+          </a:p>
+          <a:p>
+            <a:endParaRPr lang="zh-CN" altLang="en-US" dirty="0"/>
+          </a:p>
+        </p:txBody>
+      </p:sp>
+    </p:spTree>
+    <p:extLst>
+      <p:ext uri="{BB962C8B-B14F-4D97-AF65-F5344CB8AC3E}">
+        <p14:creationId xmlns:p14="http://schemas.microsoft.com/office/powerpoint/2010/main" val="2513821990"/>
+      </p:ext>
+    </p:extLst>
+  </p:cSld>
+  <p:clrMapOvr>
+    <a:masterClrMapping/>
+  </p:clrMapOvr>
+</p:sld>
+</file>
+
+<file path=ppt/slides/slide43.xml><?xml version="1.0" encoding="utf-8"?>
+<p:sld xmlns:a="http://schemas.openxmlformats.org/drawingml/2006/main" xmlns:r="http://schemas.openxmlformats.org/officeDocument/2006/relationships" xmlns:p="http://schemas.openxmlformats.org/presentationml/2006/main">
+  <p:cSld>
+    <p:spTree>
+      <p:nvGrpSpPr>
+        <p:cNvPr id="1" name=""/>
+        <p:cNvGrpSpPr/>
+        <p:nvPr/>
+      </p:nvGrpSpPr>
+      <p:grpSpPr>
+        <a:xfrm>
+          <a:off x="0" y="0"/>
+          <a:ext cx="0" cy="0"/>
+          <a:chOff x="0" y="0"/>
+          <a:chExt cx="0" cy="0"/>
+        </a:xfrm>
+      </p:grpSpPr>
+      <p:sp>
+        <p:nvSpPr>
+          <p:cNvPr id="2" name="标题 1"/>
+          <p:cNvSpPr>
+            <a:spLocks noGrp="1"/>
+          </p:cNvSpPr>
+          <p:nvPr>
+            <p:ph type="title"/>
+          </p:nvPr>
+        </p:nvSpPr>
+        <p:spPr/>
+        <p:txBody>
+          <a:bodyPr/>
+          <a:lstStyle/>
+          <a:p>
+            <a:r>
+              <a:rPr lang="en-US" altLang="zh-CN" dirty="0"/>
+              <a:t>Python </a:t>
+            </a:r>
+            <a:r>
+              <a:rPr lang="zh-CN" altLang="en-US" dirty="0"/>
+              <a:t>的分支结构</a:t>
+            </a:r>
+          </a:p>
+        </p:txBody>
+      </p:sp>
+      <p:sp>
+        <p:nvSpPr>
+          <p:cNvPr id="3" name="内容占位符 2"/>
+          <p:cNvSpPr>
+            <a:spLocks noGrp="1"/>
+          </p:cNvSpPr>
+          <p:nvPr>
+            <p:ph idx="1"/>
+          </p:nvPr>
+        </p:nvSpPr>
+        <p:spPr/>
+        <p:txBody>
+          <a:bodyPr>
+            <a:normAutofit fontScale="70000" lnSpcReduction="20000"/>
+          </a:bodyPr>
+          <a:lstStyle/>
+          <a:p>
+            <a:pPr marL="0" indent="0">
+              <a:buNone/>
+            </a:pPr>
+            <a:r>
+              <a:rPr lang="en-US" altLang="zh-CN" dirty="0"/>
+              <a:t>1. </a:t>
+            </a:r>
+            <a:r>
+              <a:rPr lang="zh-CN" altLang="en-US" dirty="0"/>
+              <a:t>单项分支</a:t>
+            </a:r>
+          </a:p>
+          <a:p>
+            <a:pPr marL="0" indent="0">
+              <a:buNone/>
+            </a:pPr>
+            <a:r>
+              <a:rPr lang="en-US" altLang="zh-CN" dirty="0"/>
+              <a:t>if </a:t>
+            </a:r>
+            <a:r>
+              <a:rPr lang="zh-CN" altLang="en-US" dirty="0"/>
+              <a:t>条件表达式：</a:t>
+            </a:r>
+          </a:p>
+          <a:p>
+            <a:pPr marL="0" indent="0">
+              <a:buNone/>
+            </a:pPr>
+            <a:r>
+              <a:rPr lang="zh-CN" altLang="en-US" dirty="0"/>
+              <a:t>一条</a:t>
+            </a:r>
+            <a:r>
+              <a:rPr lang="en-US" altLang="zh-CN" dirty="0"/>
+              <a:t>python</a:t>
+            </a:r>
+            <a:r>
+              <a:rPr lang="zh-CN" altLang="en-US" dirty="0"/>
+              <a:t>语句</a:t>
+            </a:r>
+            <a:r>
+              <a:rPr lang="en-US" altLang="zh-CN" dirty="0"/>
+              <a:t>...</a:t>
+            </a:r>
+          </a:p>
+          <a:p>
+            <a:pPr marL="0" indent="0">
+              <a:buNone/>
+            </a:pPr>
+            <a:r>
+              <a:rPr lang="zh-CN" altLang="en-US" dirty="0"/>
+              <a:t>一条</a:t>
+            </a:r>
+            <a:r>
+              <a:rPr lang="en-US" altLang="zh-CN" dirty="0"/>
+              <a:t>python</a:t>
+            </a:r>
+            <a:r>
+              <a:rPr lang="zh-CN" altLang="en-US" dirty="0"/>
+              <a:t>语句</a:t>
+            </a:r>
+            <a:r>
+              <a:rPr lang="en-US" altLang="zh-CN" dirty="0"/>
+              <a:t>...</a:t>
+            </a:r>
+          </a:p>
+          <a:p>
+            <a:pPr marL="0" indent="0">
+              <a:buNone/>
+            </a:pPr>
+            <a:r>
+              <a:rPr lang="en-US" altLang="zh-CN" dirty="0"/>
+              <a:t>...</a:t>
+            </a:r>
+          </a:p>
+          <a:p>
+            <a:pPr marL="0" indent="0">
+              <a:buNone/>
+            </a:pPr>
+            <a:r>
+              <a:rPr lang="en-US" altLang="zh-CN" dirty="0"/>
+              <a:t>•  if</a:t>
+            </a:r>
+            <a:r>
+              <a:rPr lang="zh-CN" altLang="en-US" dirty="0"/>
+              <a:t>条件表达式结果为真，则执行</a:t>
+            </a:r>
+            <a:r>
+              <a:rPr lang="en-US" altLang="zh-CN" dirty="0"/>
+              <a:t>if</a:t>
+            </a:r>
+            <a:r>
+              <a:rPr lang="zh-CN" altLang="en-US" dirty="0"/>
+              <a:t>之后所控制代码组，如果为假，则不执行后面的代码组（</a:t>
+            </a:r>
+            <a:r>
+              <a:rPr lang="en-US" altLang="zh-CN" dirty="0"/>
+              <a:t>:</a:t>
+            </a:r>
+            <a:r>
+              <a:rPr lang="zh-CN" altLang="en-US" dirty="0"/>
+              <a:t>后</a:t>
+            </a:r>
+          </a:p>
+          <a:p>
+            <a:pPr marL="0" indent="0">
+              <a:buNone/>
+            </a:pPr>
+            <a:r>
+              <a:rPr lang="zh-CN" altLang="en-US" dirty="0"/>
+              <a:t>面的</a:t>
+            </a:r>
+            <a:r>
+              <a:rPr lang="en-US" altLang="zh-CN" dirty="0"/>
+              <a:t>N</a:t>
+            </a:r>
+            <a:r>
+              <a:rPr lang="zh-CN" altLang="en-US" dirty="0"/>
+              <a:t>行中有相同缩进的代码）</a:t>
+            </a:r>
+          </a:p>
+          <a:p>
+            <a:pPr marL="0" indent="0">
+              <a:buNone/>
+            </a:pPr>
+            <a:r>
+              <a:rPr lang="en-US" altLang="zh-CN" dirty="0"/>
+              <a:t>•  :</a:t>
+            </a:r>
+            <a:r>
+              <a:rPr lang="zh-CN" altLang="en-US" dirty="0"/>
+              <a:t>之后下一行的内容必须缩进，否则语法错误！</a:t>
+            </a:r>
+          </a:p>
+          <a:p>
+            <a:pPr marL="0" indent="0">
+              <a:buNone/>
+            </a:pPr>
+            <a:r>
+              <a:rPr lang="en-US" altLang="zh-CN" dirty="0"/>
+              <a:t>•  if</a:t>
+            </a:r>
+            <a:r>
+              <a:rPr lang="zh-CN" altLang="en-US" dirty="0"/>
+              <a:t>之后的代码中如果缩进不一致，则不会</a:t>
+            </a:r>
+            <a:r>
+              <a:rPr lang="en-US" altLang="zh-CN" dirty="0"/>
+              <a:t>if</a:t>
+            </a:r>
+            <a:r>
+              <a:rPr lang="zh-CN" altLang="en-US" dirty="0"/>
+              <a:t>条件表达式是的控制，也不是单项分支的内容，是</a:t>
+            </a:r>
+          </a:p>
+          <a:p>
+            <a:pPr marL="0" indent="0">
+              <a:buNone/>
+            </a:pPr>
+            <a:r>
+              <a:rPr lang="zh-CN" altLang="en-US" dirty="0"/>
+              <a:t>顺序结构的一部分。</a:t>
+            </a:r>
+          </a:p>
+          <a:p>
+            <a:pPr marL="0" indent="0">
+              <a:buNone/>
+            </a:pPr>
+            <a:r>
+              <a:rPr lang="en-US" altLang="zh-CN" dirty="0"/>
+              <a:t>•  if:</a:t>
+            </a:r>
+            <a:r>
+              <a:rPr lang="zh-CN" altLang="en-US" dirty="0"/>
+              <a:t>后面的代码是在条件表达式结果为真的情况下执行，所以称之为真区间或者</a:t>
+            </a:r>
+            <a:r>
+              <a:rPr lang="en-US" altLang="zh-CN" dirty="0"/>
+              <a:t>if</a:t>
+            </a:r>
+            <a:r>
+              <a:rPr lang="zh-CN" altLang="en-US" dirty="0"/>
+              <a:t>区间</a:t>
+            </a:r>
+            <a:r>
+              <a:rPr lang="zh-CN" altLang="en-US" dirty="0" smtClean="0"/>
+              <a:t>。</a:t>
+            </a:r>
+            <a:endParaRPr lang="zh-CN" altLang="en-US" dirty="0"/>
+          </a:p>
+        </p:txBody>
+      </p:sp>
+    </p:spTree>
+    <p:extLst>
+      <p:ext uri="{BB962C8B-B14F-4D97-AF65-F5344CB8AC3E}">
+        <p14:creationId xmlns:p14="http://schemas.microsoft.com/office/powerpoint/2010/main" val="276676064"/>
+      </p:ext>
+    </p:extLst>
+  </p:cSld>
+  <p:clrMapOvr>
+    <a:masterClrMapping/>
+  </p:clrMapOvr>
+</p:sld>
+</file>
+
+<file path=ppt/slides/slide44.xml><?xml version="1.0" encoding="utf-8"?>
+<p:sld xmlns:a="http://schemas.openxmlformats.org/drawingml/2006/main" xmlns:r="http://schemas.openxmlformats.org/officeDocument/2006/relationships" xmlns:p="http://schemas.openxmlformats.org/presentationml/2006/main">
+  <p:cSld>
+    <p:spTree>
+      <p:nvGrpSpPr>
+        <p:cNvPr id="1" name=""/>
+        <p:cNvGrpSpPr/>
+        <p:nvPr/>
+      </p:nvGrpSpPr>
+      <p:grpSpPr>
+        <a:xfrm>
+          <a:off x="0" y="0"/>
+          <a:ext cx="0" cy="0"/>
+          <a:chOff x="0" y="0"/>
+          <a:chExt cx="0" cy="0"/>
+        </a:xfrm>
+      </p:grpSpPr>
+      <p:sp>
+        <p:nvSpPr>
+          <p:cNvPr id="2" name="标题 1"/>
+          <p:cNvSpPr>
+            <a:spLocks noGrp="1"/>
+          </p:cNvSpPr>
+          <p:nvPr>
+            <p:ph type="title"/>
+          </p:nvPr>
+        </p:nvSpPr>
+        <p:spPr/>
+        <p:txBody>
+          <a:bodyPr/>
+          <a:lstStyle/>
+          <a:p>
+            <a:r>
+              <a:rPr lang="en-US" altLang="zh-CN" dirty="0"/>
+              <a:t>Python </a:t>
+            </a:r>
+            <a:r>
+              <a:rPr lang="zh-CN" altLang="en-US" dirty="0"/>
+              <a:t>的分支结构</a:t>
+            </a:r>
+          </a:p>
+        </p:txBody>
+      </p:sp>
+      <p:sp>
+        <p:nvSpPr>
+          <p:cNvPr id="3" name="内容占位符 2"/>
+          <p:cNvSpPr>
+            <a:spLocks noGrp="1"/>
+          </p:cNvSpPr>
+          <p:nvPr>
+            <p:ph idx="1"/>
+          </p:nvPr>
+        </p:nvSpPr>
+        <p:spPr/>
+        <p:txBody>
+          <a:bodyPr>
+            <a:normAutofit fontScale="77500" lnSpcReduction="20000"/>
+          </a:bodyPr>
+          <a:lstStyle/>
+          <a:p>
+            <a:pPr marL="0" indent="0">
+              <a:buNone/>
+            </a:pPr>
+            <a:r>
+              <a:rPr lang="en-US" altLang="zh-CN" dirty="0"/>
+              <a:t>2. </a:t>
+            </a:r>
+            <a:r>
+              <a:rPr lang="zh-CN" altLang="en-US" dirty="0"/>
+              <a:t>双向分支</a:t>
+            </a:r>
+          </a:p>
+          <a:p>
+            <a:pPr marL="0" indent="0">
+              <a:buNone/>
+            </a:pPr>
+            <a:r>
+              <a:rPr lang="en-US" altLang="zh-CN" dirty="0"/>
+              <a:t>if </a:t>
+            </a:r>
+            <a:r>
+              <a:rPr lang="zh-CN" altLang="en-US" dirty="0"/>
+              <a:t>条件表达式：</a:t>
+            </a:r>
+          </a:p>
+          <a:p>
+            <a:pPr marL="0" indent="0">
+              <a:buNone/>
+            </a:pPr>
+            <a:r>
+              <a:rPr lang="zh-CN" altLang="en-US" dirty="0"/>
+              <a:t>一条</a:t>
+            </a:r>
+            <a:r>
+              <a:rPr lang="en-US" altLang="zh-CN" dirty="0"/>
+              <a:t>python</a:t>
+            </a:r>
+            <a:r>
+              <a:rPr lang="zh-CN" altLang="en-US" dirty="0"/>
+              <a:t>语句</a:t>
+            </a:r>
+            <a:r>
+              <a:rPr lang="en-US" altLang="zh-CN" dirty="0"/>
+              <a:t>...</a:t>
+            </a:r>
+          </a:p>
+          <a:p>
+            <a:pPr marL="0" indent="0">
+              <a:buNone/>
+            </a:pPr>
+            <a:r>
+              <a:rPr lang="zh-CN" altLang="en-US" dirty="0"/>
+              <a:t>一条</a:t>
+            </a:r>
+            <a:r>
+              <a:rPr lang="en-US" altLang="zh-CN" dirty="0"/>
+              <a:t>python</a:t>
+            </a:r>
+            <a:r>
+              <a:rPr lang="zh-CN" altLang="en-US" dirty="0"/>
+              <a:t>语句</a:t>
+            </a:r>
+            <a:r>
+              <a:rPr lang="en-US" altLang="zh-CN" dirty="0"/>
+              <a:t>...</a:t>
+            </a:r>
+          </a:p>
+          <a:p>
+            <a:pPr marL="0" indent="0">
+              <a:buNone/>
+            </a:pPr>
+            <a:r>
+              <a:rPr lang="en-US" altLang="zh-CN" dirty="0"/>
+              <a:t>...</a:t>
+            </a:r>
+          </a:p>
+          <a:p>
+            <a:pPr marL="0" indent="0">
+              <a:buNone/>
+            </a:pPr>
+            <a:r>
+              <a:rPr lang="en-US" altLang="zh-CN" dirty="0"/>
+              <a:t>else:</a:t>
+            </a:r>
+          </a:p>
+          <a:p>
+            <a:pPr marL="0" indent="0">
+              <a:buNone/>
+            </a:pPr>
+            <a:r>
+              <a:rPr lang="zh-CN" altLang="en-US" dirty="0"/>
+              <a:t>一条</a:t>
+            </a:r>
+            <a:r>
+              <a:rPr lang="en-US" altLang="zh-CN" dirty="0"/>
+              <a:t>python</a:t>
+            </a:r>
+            <a:r>
+              <a:rPr lang="zh-CN" altLang="en-US" dirty="0"/>
+              <a:t>语句</a:t>
+            </a:r>
+            <a:r>
+              <a:rPr lang="en-US" altLang="zh-CN" dirty="0"/>
+              <a:t>...</a:t>
+            </a:r>
+          </a:p>
+          <a:p>
+            <a:pPr marL="0" indent="0">
+              <a:buNone/>
+            </a:pPr>
+            <a:r>
+              <a:rPr lang="zh-CN" altLang="en-US" dirty="0"/>
+              <a:t>一条</a:t>
+            </a:r>
+            <a:r>
+              <a:rPr lang="en-US" altLang="zh-CN" dirty="0"/>
+              <a:t>python</a:t>
+            </a:r>
+            <a:r>
+              <a:rPr lang="zh-CN" altLang="en-US" dirty="0"/>
+              <a:t>语句</a:t>
+            </a:r>
+            <a:r>
+              <a:rPr lang="en-US" altLang="zh-CN" dirty="0"/>
+              <a:t>...</a:t>
+            </a:r>
+          </a:p>
+          <a:p>
+            <a:pPr marL="0" indent="0">
+              <a:buNone/>
+            </a:pPr>
+            <a:r>
+              <a:rPr lang="en-US" altLang="zh-CN" dirty="0"/>
+              <a:t>...</a:t>
+            </a:r>
+          </a:p>
+          <a:p>
+            <a:pPr marL="0" indent="0">
+              <a:buNone/>
+            </a:pPr>
+            <a:r>
+              <a:rPr lang="zh-CN" altLang="en-US" dirty="0"/>
+              <a:t>特征</a:t>
+            </a:r>
+            <a:r>
+              <a:rPr lang="en-US" altLang="zh-CN" dirty="0"/>
+              <a:t>:</a:t>
+            </a:r>
+          </a:p>
+          <a:p>
+            <a:pPr marL="0" indent="0">
+              <a:buNone/>
+            </a:pPr>
+            <a:r>
+              <a:rPr lang="en-US" altLang="zh-CN" dirty="0"/>
+              <a:t>•  1.</a:t>
+            </a:r>
+            <a:r>
+              <a:rPr lang="zh-CN" altLang="en-US" dirty="0"/>
+              <a:t>双项分支有</a:t>
+            </a:r>
+            <a:r>
+              <a:rPr lang="en-US" altLang="zh-CN" dirty="0"/>
+              <a:t>2</a:t>
+            </a:r>
+            <a:r>
+              <a:rPr lang="zh-CN" altLang="en-US" dirty="0"/>
+              <a:t>个区间</a:t>
+            </a:r>
+            <a:r>
+              <a:rPr lang="en-US" altLang="zh-CN" dirty="0"/>
+              <a:t>:</a:t>
+            </a:r>
+            <a:r>
+              <a:rPr lang="zh-CN" altLang="en-US" dirty="0"/>
+              <a:t>分别是</a:t>
+            </a:r>
+            <a:r>
+              <a:rPr lang="en-US" altLang="zh-CN" dirty="0"/>
+              <a:t>True</a:t>
+            </a:r>
+            <a:r>
+              <a:rPr lang="zh-CN" altLang="en-US" dirty="0"/>
+              <a:t>控制的</a:t>
+            </a:r>
+            <a:r>
+              <a:rPr lang="en-US" altLang="zh-CN" dirty="0"/>
+              <a:t>if</a:t>
+            </a:r>
+            <a:r>
+              <a:rPr lang="zh-CN" altLang="en-US" dirty="0"/>
+              <a:t>区间和</a:t>
+            </a:r>
+            <a:r>
+              <a:rPr lang="en-US" altLang="zh-CN" dirty="0"/>
+              <a:t>False</a:t>
+            </a:r>
+            <a:r>
+              <a:rPr lang="zh-CN" altLang="en-US" dirty="0"/>
+              <a:t>控制的</a:t>
+            </a:r>
+            <a:r>
+              <a:rPr lang="en-US" altLang="zh-CN" dirty="0"/>
+              <a:t>else</a:t>
+            </a:r>
+            <a:r>
+              <a:rPr lang="zh-CN" altLang="en-US" dirty="0"/>
+              <a:t>区间（假区间）</a:t>
+            </a:r>
+          </a:p>
+          <a:p>
+            <a:pPr marL="0" indent="0">
+              <a:buNone/>
+            </a:pPr>
+            <a:r>
+              <a:rPr lang="en-US" altLang="zh-CN" dirty="0"/>
+              <a:t>•  2.if</a:t>
+            </a:r>
+            <a:r>
+              <a:rPr lang="zh-CN" altLang="en-US" dirty="0"/>
+              <a:t>区间的内容在双项分支中必须都缩进，否则语法错误</a:t>
+            </a:r>
+            <a:r>
+              <a:rPr lang="zh-CN" altLang="en-US" dirty="0" smtClean="0"/>
+              <a:t>！</a:t>
+            </a:r>
+            <a:endParaRPr lang="zh-CN" altLang="en-US" dirty="0"/>
+          </a:p>
+        </p:txBody>
+      </p:sp>
+    </p:spTree>
+    <p:extLst>
+      <p:ext uri="{BB962C8B-B14F-4D97-AF65-F5344CB8AC3E}">
+        <p14:creationId xmlns:p14="http://schemas.microsoft.com/office/powerpoint/2010/main" val="2264329836"/>
+      </p:ext>
+    </p:extLst>
+  </p:cSld>
+  <p:clrMapOvr>
+    <a:masterClrMapping/>
+  </p:clrMapOvr>
+</p:sld>
+</file>
+
+<file path=ppt/slides/slide45.xml><?xml version="1.0" encoding="utf-8"?>
+<p:sld xmlns:a="http://schemas.openxmlformats.org/drawingml/2006/main" xmlns:r="http://schemas.openxmlformats.org/officeDocument/2006/relationships" xmlns:p="http://schemas.openxmlformats.org/presentationml/2006/main">
+  <p:cSld>
+    <p:spTree>
+      <p:nvGrpSpPr>
+        <p:cNvPr id="1" name=""/>
+        <p:cNvGrpSpPr/>
+        <p:nvPr/>
+      </p:nvGrpSpPr>
+      <p:grpSpPr>
+        <a:xfrm>
+          <a:off x="0" y="0"/>
+          <a:ext cx="0" cy="0"/>
+          <a:chOff x="0" y="0"/>
+          <a:chExt cx="0" cy="0"/>
+        </a:xfrm>
+      </p:grpSpPr>
+      <p:sp>
+        <p:nvSpPr>
+          <p:cNvPr id="2" name="标题 1"/>
+          <p:cNvSpPr>
+            <a:spLocks noGrp="1"/>
+          </p:cNvSpPr>
+          <p:nvPr>
+            <p:ph type="title"/>
+          </p:nvPr>
+        </p:nvSpPr>
+        <p:spPr/>
+        <p:txBody>
+          <a:bodyPr/>
+          <a:lstStyle/>
+          <a:p>
+            <a:r>
+              <a:rPr lang="en-US" altLang="zh-CN" dirty="0"/>
+              <a:t>Python </a:t>
+            </a:r>
+            <a:r>
+              <a:rPr lang="zh-CN" altLang="en-US" dirty="0"/>
+              <a:t>的分支结构</a:t>
+            </a:r>
+          </a:p>
+        </p:txBody>
+      </p:sp>
+      <p:sp>
+        <p:nvSpPr>
+          <p:cNvPr id="3" name="内容占位符 2"/>
+          <p:cNvSpPr>
+            <a:spLocks noGrp="1"/>
+          </p:cNvSpPr>
+          <p:nvPr>
+            <p:ph idx="1"/>
+          </p:nvPr>
+        </p:nvSpPr>
+        <p:spPr/>
+        <p:txBody>
+          <a:bodyPr>
+            <a:normAutofit fontScale="77500" lnSpcReduction="20000"/>
+          </a:bodyPr>
+          <a:lstStyle/>
+          <a:p>
+            <a:pPr marL="0" indent="0">
+              <a:buNone/>
+            </a:pPr>
+            <a:r>
+              <a:rPr lang="en-US" altLang="zh-CN" dirty="0"/>
+              <a:t>3. </a:t>
+            </a:r>
+            <a:r>
+              <a:rPr lang="zh-CN" altLang="en-US" dirty="0"/>
+              <a:t>多分支结构</a:t>
+            </a:r>
+          </a:p>
+          <a:p>
+            <a:pPr marL="0" indent="0">
+              <a:buNone/>
+            </a:pPr>
+            <a:r>
+              <a:rPr lang="en-US" altLang="zh-CN" dirty="0"/>
+              <a:t>if </a:t>
+            </a:r>
+            <a:r>
+              <a:rPr lang="zh-CN" altLang="en-US" dirty="0"/>
+              <a:t>条件表达式：</a:t>
+            </a:r>
+          </a:p>
+          <a:p>
+            <a:pPr marL="0" indent="0">
+              <a:buNone/>
+            </a:pPr>
+            <a:r>
+              <a:rPr lang="zh-CN" altLang="en-US" dirty="0"/>
+              <a:t>一条</a:t>
+            </a:r>
+            <a:r>
+              <a:rPr lang="en-US" altLang="zh-CN" dirty="0"/>
+              <a:t>python</a:t>
+            </a:r>
+            <a:r>
+              <a:rPr lang="zh-CN" altLang="en-US" dirty="0"/>
+              <a:t>语句</a:t>
+            </a:r>
+            <a:r>
+              <a:rPr lang="en-US" altLang="zh-CN" dirty="0"/>
+              <a:t>...</a:t>
+            </a:r>
+          </a:p>
+          <a:p>
+            <a:pPr marL="0" indent="0">
+              <a:buNone/>
+            </a:pPr>
+            <a:r>
+              <a:rPr lang="zh-CN" altLang="en-US" dirty="0"/>
+              <a:t>一条</a:t>
+            </a:r>
+            <a:r>
+              <a:rPr lang="en-US" altLang="zh-CN" dirty="0"/>
+              <a:t>python</a:t>
+            </a:r>
+            <a:r>
+              <a:rPr lang="zh-CN" altLang="en-US" dirty="0"/>
+              <a:t>语句</a:t>
+            </a:r>
+            <a:r>
+              <a:rPr lang="en-US" altLang="zh-CN" dirty="0"/>
+              <a:t>...</a:t>
+            </a:r>
+          </a:p>
+          <a:p>
+            <a:pPr marL="0" indent="0">
+              <a:buNone/>
+            </a:pPr>
+            <a:r>
+              <a:rPr lang="en-US" altLang="zh-CN" dirty="0"/>
+              <a:t>...</a:t>
+            </a:r>
+          </a:p>
+          <a:p>
+            <a:pPr marL="0" indent="0">
+              <a:buNone/>
+            </a:pPr>
+            <a:r>
+              <a:rPr lang="en-US" altLang="zh-CN" dirty="0" err="1"/>
+              <a:t>elif</a:t>
+            </a:r>
+            <a:r>
+              <a:rPr lang="en-US" altLang="zh-CN" dirty="0"/>
+              <a:t> </a:t>
+            </a:r>
+            <a:r>
+              <a:rPr lang="zh-CN" altLang="en-US" dirty="0"/>
+              <a:t>条件表达式：</a:t>
+            </a:r>
+          </a:p>
+          <a:p>
+            <a:pPr marL="0" indent="0">
+              <a:buNone/>
+            </a:pPr>
+            <a:r>
+              <a:rPr lang="zh-CN" altLang="en-US" dirty="0"/>
+              <a:t>一条</a:t>
+            </a:r>
+            <a:r>
+              <a:rPr lang="en-US" altLang="zh-CN" dirty="0"/>
+              <a:t>python</a:t>
+            </a:r>
+            <a:r>
+              <a:rPr lang="zh-CN" altLang="en-US" dirty="0"/>
+              <a:t>语句</a:t>
+            </a:r>
+            <a:r>
+              <a:rPr lang="en-US" altLang="zh-CN" dirty="0"/>
+              <a:t>...</a:t>
+            </a:r>
+          </a:p>
+          <a:p>
+            <a:pPr marL="0" indent="0">
+              <a:buNone/>
+            </a:pPr>
+            <a:r>
+              <a:rPr lang="zh-CN" altLang="en-US" dirty="0"/>
+              <a:t>一条</a:t>
+            </a:r>
+            <a:r>
+              <a:rPr lang="en-US" altLang="zh-CN" dirty="0"/>
+              <a:t>python</a:t>
+            </a:r>
+            <a:r>
+              <a:rPr lang="zh-CN" altLang="en-US" dirty="0"/>
+              <a:t>语句</a:t>
+            </a:r>
+            <a:r>
+              <a:rPr lang="en-US" altLang="zh-CN" dirty="0"/>
+              <a:t>...</a:t>
+            </a:r>
+          </a:p>
+          <a:p>
+            <a:pPr marL="0" indent="0">
+              <a:buNone/>
+            </a:pPr>
+            <a:r>
+              <a:rPr lang="en-US" altLang="zh-CN" dirty="0"/>
+              <a:t>...</a:t>
+            </a:r>
+          </a:p>
+          <a:p>
+            <a:pPr marL="0" indent="0">
+              <a:buNone/>
+            </a:pPr>
+            <a:r>
+              <a:rPr lang="en-US" altLang="zh-CN" dirty="0" smtClean="0"/>
+              <a:t>else</a:t>
+            </a:r>
+            <a:r>
+              <a:rPr lang="en-US" altLang="zh-CN" dirty="0"/>
+              <a:t>:</a:t>
+            </a:r>
+          </a:p>
+          <a:p>
+            <a:pPr marL="0" indent="0">
+              <a:buNone/>
+            </a:pPr>
+            <a:r>
+              <a:rPr lang="zh-CN" altLang="en-US" dirty="0"/>
+              <a:t>一条</a:t>
+            </a:r>
+            <a:r>
+              <a:rPr lang="en-US" altLang="zh-CN" dirty="0"/>
+              <a:t>python</a:t>
+            </a:r>
+            <a:r>
+              <a:rPr lang="zh-CN" altLang="en-US" dirty="0"/>
+              <a:t>语句</a:t>
+            </a:r>
+            <a:r>
+              <a:rPr lang="en-US" altLang="zh-CN" dirty="0"/>
+              <a:t>...</a:t>
+            </a:r>
+          </a:p>
+          <a:p>
+            <a:pPr marL="0" indent="0">
+              <a:buNone/>
+            </a:pPr>
+            <a:r>
+              <a:rPr lang="zh-CN" altLang="en-US" dirty="0"/>
+              <a:t>一条</a:t>
+            </a:r>
+            <a:r>
+              <a:rPr lang="en-US" altLang="zh-CN" dirty="0"/>
+              <a:t>python</a:t>
+            </a:r>
+            <a:r>
+              <a:rPr lang="zh-CN" altLang="en-US" dirty="0"/>
+              <a:t>语句</a:t>
+            </a:r>
+            <a:r>
+              <a:rPr lang="en-US" altLang="zh-CN" dirty="0"/>
+              <a:t>...</a:t>
+            </a:r>
+          </a:p>
+          <a:p>
+            <a:endParaRPr lang="zh-CN" altLang="en-US" dirty="0"/>
+          </a:p>
+        </p:txBody>
+      </p:sp>
+    </p:spTree>
+    <p:extLst>
+      <p:ext uri="{BB962C8B-B14F-4D97-AF65-F5344CB8AC3E}">
+        <p14:creationId xmlns:p14="http://schemas.microsoft.com/office/powerpoint/2010/main" val="3729476003"/>
+      </p:ext>
+    </p:extLst>
+  </p:cSld>
+  <p:clrMapOvr>
+    <a:masterClrMapping/>
+  </p:clrMapOvr>
+</p:sld>
+</file>
+
+<file path=ppt/slides/slide46.xml><?xml version="1.0" encoding="utf-8"?>
+<p:sld xmlns:a="http://schemas.openxmlformats.org/drawingml/2006/main" xmlns:r="http://schemas.openxmlformats.org/officeDocument/2006/relationships" xmlns:p="http://schemas.openxmlformats.org/presentationml/2006/main">
+  <p:cSld>
+    <p:spTree>
+      <p:nvGrpSpPr>
+        <p:cNvPr id="1" name=""/>
+        <p:cNvGrpSpPr/>
+        <p:nvPr/>
+      </p:nvGrpSpPr>
+      <p:grpSpPr>
+        <a:xfrm>
+          <a:off x="0" y="0"/>
+          <a:ext cx="0" cy="0"/>
+          <a:chOff x="0" y="0"/>
+          <a:chExt cx="0" cy="0"/>
+        </a:xfrm>
+      </p:grpSpPr>
+      <p:sp>
+        <p:nvSpPr>
+          <p:cNvPr id="2" name="标题 1"/>
+          <p:cNvSpPr>
+            <a:spLocks noGrp="1"/>
+          </p:cNvSpPr>
+          <p:nvPr>
+            <p:ph type="title"/>
+          </p:nvPr>
+        </p:nvSpPr>
+        <p:spPr/>
+        <p:txBody>
+          <a:bodyPr/>
+          <a:lstStyle/>
+          <a:p>
+            <a:r>
+              <a:rPr lang="en-US" altLang="zh-CN" dirty="0"/>
+              <a:t>Python </a:t>
+            </a:r>
+            <a:r>
+              <a:rPr lang="zh-CN" altLang="en-US" dirty="0"/>
+              <a:t>的分支结构</a:t>
+            </a:r>
+          </a:p>
+        </p:txBody>
+      </p:sp>
+      <p:sp>
+        <p:nvSpPr>
+          <p:cNvPr id="3" name="内容占位符 2"/>
+          <p:cNvSpPr>
+            <a:spLocks noGrp="1"/>
+          </p:cNvSpPr>
+          <p:nvPr>
+            <p:ph idx="1"/>
+          </p:nvPr>
+        </p:nvSpPr>
+        <p:spPr/>
+        <p:txBody>
+          <a:bodyPr/>
+          <a:lstStyle/>
+          <a:p>
+            <a:pPr marL="0" indent="0">
+              <a:buNone/>
+            </a:pPr>
+            <a:r>
+              <a:rPr lang="zh-CN" altLang="en-US" dirty="0"/>
+              <a:t>特征：</a:t>
+            </a:r>
+          </a:p>
+          <a:p>
+            <a:pPr marL="0" indent="0">
+              <a:buNone/>
+            </a:pPr>
+            <a:r>
+              <a:rPr lang="en-US" altLang="zh-CN" dirty="0"/>
+              <a:t>1. </a:t>
+            </a:r>
+            <a:r>
+              <a:rPr lang="zh-CN" altLang="en-US" dirty="0"/>
+              <a:t>多项分支可以添加无限个</a:t>
+            </a:r>
+            <a:r>
+              <a:rPr lang="en-US" altLang="zh-CN" dirty="0" err="1"/>
+              <a:t>elif</a:t>
+            </a:r>
+            <a:r>
+              <a:rPr lang="zh-CN" altLang="en-US" dirty="0"/>
+              <a:t>分支，无论如何只会执行</a:t>
+            </a:r>
+          </a:p>
+          <a:p>
+            <a:pPr marL="0" indent="0">
+              <a:buNone/>
+            </a:pPr>
+            <a:r>
+              <a:rPr lang="zh-CN" altLang="en-US" dirty="0"/>
+              <a:t>一个分支</a:t>
+            </a:r>
+          </a:p>
+          <a:p>
+            <a:pPr marL="0" indent="0">
+              <a:buNone/>
+            </a:pPr>
+            <a:r>
+              <a:rPr lang="en-US" altLang="zh-CN" dirty="0"/>
+              <a:t>2. </a:t>
+            </a:r>
+            <a:r>
+              <a:rPr lang="zh-CN" altLang="en-US" dirty="0"/>
+              <a:t>执行完一个分支后，分支结构就会结束，后面的分支</a:t>
+            </a:r>
+          </a:p>
+          <a:p>
+            <a:pPr marL="0" indent="0">
+              <a:buNone/>
+            </a:pPr>
+            <a:r>
+              <a:rPr lang="zh-CN" altLang="en-US" dirty="0"/>
+              <a:t>都不会判断也不会执行</a:t>
+            </a:r>
+          </a:p>
+          <a:p>
+            <a:pPr marL="0" indent="0">
+              <a:buNone/>
+            </a:pPr>
+            <a:r>
+              <a:rPr lang="en-US" altLang="zh-CN" dirty="0"/>
+              <a:t>3. </a:t>
+            </a:r>
+            <a:r>
+              <a:rPr lang="zh-CN" altLang="en-US" dirty="0"/>
+              <a:t>多项分支的判断顺序是自上而下逐个分支进行判断</a:t>
+            </a:r>
+          </a:p>
+          <a:p>
+            <a:pPr marL="0" indent="0">
+              <a:buNone/>
+            </a:pPr>
+            <a:r>
+              <a:rPr lang="en-US" altLang="zh-CN" dirty="0"/>
+              <a:t>4. </a:t>
+            </a:r>
+            <a:r>
+              <a:rPr lang="zh-CN" altLang="en-US" dirty="0"/>
+              <a:t>在</a:t>
+            </a:r>
+            <a:r>
+              <a:rPr lang="en-US" altLang="zh-CN" dirty="0"/>
+              <a:t>Python</a:t>
+            </a:r>
+            <a:r>
+              <a:rPr lang="zh-CN" altLang="en-US" dirty="0"/>
+              <a:t>中没有</a:t>
+            </a:r>
+            <a:r>
+              <a:rPr lang="en-US" altLang="zh-CN" dirty="0"/>
+              <a:t>switch – case</a:t>
+            </a:r>
+            <a:r>
+              <a:rPr lang="zh-CN" altLang="en-US" dirty="0"/>
+              <a:t>语句</a:t>
+            </a:r>
+            <a:r>
+              <a:rPr lang="zh-CN" altLang="en-US" dirty="0" smtClean="0"/>
+              <a:t>。</a:t>
+            </a:r>
+            <a:endParaRPr lang="zh-CN" altLang="en-US" dirty="0"/>
+          </a:p>
+        </p:txBody>
+      </p:sp>
+    </p:spTree>
+    <p:extLst>
+      <p:ext uri="{BB962C8B-B14F-4D97-AF65-F5344CB8AC3E}">
+        <p14:creationId xmlns:p14="http://schemas.microsoft.com/office/powerpoint/2010/main" val="3862886988"/>
+      </p:ext>
+    </p:extLst>
+  </p:cSld>
+  <p:clrMapOvr>
+    <a:masterClrMapping/>
+  </p:clrMapOvr>
+</p:sld>
+</file>
+
+<file path=ppt/slides/slide47.xml><?xml version="1.0" encoding="utf-8"?>
+<p:sld xmlns:a="http://schemas.openxmlformats.org/drawingml/2006/main" xmlns:r="http://schemas.openxmlformats.org/officeDocument/2006/relationships" xmlns:p="http://schemas.openxmlformats.org/presentationml/2006/main">
+  <p:cSld>
+    <p:spTree>
+      <p:nvGrpSpPr>
+        <p:cNvPr id="1" name=""/>
+        <p:cNvGrpSpPr/>
+        <p:nvPr/>
+      </p:nvGrpSpPr>
+      <p:grpSpPr>
+        <a:xfrm>
+          <a:off x="0" y="0"/>
+          <a:ext cx="0" cy="0"/>
+          <a:chOff x="0" y="0"/>
+          <a:chExt cx="0" cy="0"/>
+        </a:xfrm>
+      </p:grpSpPr>
+      <p:sp>
+        <p:nvSpPr>
+          <p:cNvPr id="2" name="标题 1"/>
+          <p:cNvSpPr>
+            <a:spLocks noGrp="1"/>
+          </p:cNvSpPr>
+          <p:nvPr>
+            <p:ph type="title"/>
+          </p:nvPr>
+        </p:nvSpPr>
+        <p:spPr/>
+        <p:txBody>
+          <a:bodyPr/>
+          <a:lstStyle/>
+          <a:p>
+            <a:r>
+              <a:rPr lang="en-US" altLang="zh-CN" dirty="0"/>
+              <a:t>Python </a:t>
+            </a:r>
+            <a:r>
+              <a:rPr lang="zh-CN" altLang="en-US" dirty="0"/>
+              <a:t>的分支结构</a:t>
+            </a:r>
+          </a:p>
+        </p:txBody>
+      </p:sp>
+      <p:sp>
+        <p:nvSpPr>
+          <p:cNvPr id="3" name="内容占位符 2"/>
+          <p:cNvSpPr>
+            <a:spLocks noGrp="1"/>
+          </p:cNvSpPr>
+          <p:nvPr>
+            <p:ph idx="1"/>
+          </p:nvPr>
+        </p:nvSpPr>
+        <p:spPr/>
+        <p:txBody>
+          <a:bodyPr>
+            <a:normAutofit fontScale="47500" lnSpcReduction="20000"/>
+          </a:bodyPr>
+          <a:lstStyle/>
+          <a:p>
+            <a:pPr marL="0" indent="0">
+              <a:buNone/>
+            </a:pPr>
+            <a:r>
+              <a:rPr lang="en-US" altLang="zh-CN" dirty="0"/>
+              <a:t>4. </a:t>
+            </a:r>
+            <a:r>
+              <a:rPr lang="zh-CN" altLang="en-US" dirty="0"/>
+              <a:t>巢状分支</a:t>
+            </a:r>
+          </a:p>
+          <a:p>
+            <a:pPr marL="0" indent="0">
+              <a:buNone/>
+            </a:pPr>
+            <a:r>
+              <a:rPr lang="en-US" altLang="zh-CN" dirty="0"/>
+              <a:t>•  </a:t>
+            </a:r>
+            <a:r>
+              <a:rPr lang="zh-CN" altLang="en-US" dirty="0"/>
+              <a:t>巢状分支是其他分支结构的嵌套结构，无论哪个分支都可以嵌套</a:t>
+            </a:r>
+          </a:p>
+          <a:p>
+            <a:pPr marL="0" indent="0">
+              <a:buNone/>
+            </a:pPr>
+            <a:r>
+              <a:rPr lang="en-US" altLang="zh-CN" dirty="0"/>
+              <a:t>if </a:t>
+            </a:r>
+            <a:r>
+              <a:rPr lang="zh-CN" altLang="en-US" dirty="0"/>
+              <a:t>条件表达式：</a:t>
+            </a:r>
+          </a:p>
+          <a:p>
+            <a:pPr marL="0" indent="0">
+              <a:buNone/>
+            </a:pPr>
+            <a:r>
+              <a:rPr lang="en-US" altLang="zh-CN" dirty="0"/>
+              <a:t>if </a:t>
+            </a:r>
+            <a:r>
+              <a:rPr lang="zh-CN" altLang="en-US" dirty="0"/>
+              <a:t>条件表达式：</a:t>
+            </a:r>
+          </a:p>
+          <a:p>
+            <a:pPr marL="0" indent="0">
+              <a:buNone/>
+            </a:pPr>
+            <a:r>
+              <a:rPr lang="en-US" altLang="zh-CN" dirty="0"/>
+              <a:t>python</a:t>
+            </a:r>
+            <a:r>
+              <a:rPr lang="zh-CN" altLang="en-US" dirty="0"/>
+              <a:t>语句</a:t>
+            </a:r>
+            <a:r>
+              <a:rPr lang="en-US" altLang="zh-CN" dirty="0"/>
+              <a:t>…</a:t>
+            </a:r>
+          </a:p>
+          <a:p>
+            <a:pPr marL="0" indent="0">
+              <a:buNone/>
+            </a:pPr>
+            <a:r>
+              <a:rPr lang="en-US" altLang="zh-CN" dirty="0"/>
+              <a:t>…</a:t>
+            </a:r>
+          </a:p>
+          <a:p>
+            <a:pPr marL="0" indent="0">
+              <a:buNone/>
+            </a:pPr>
+            <a:r>
+              <a:rPr lang="en-US" altLang="zh-CN" dirty="0"/>
+              <a:t>else</a:t>
+            </a:r>
+            <a:r>
+              <a:rPr lang="zh-CN" altLang="en-US" dirty="0"/>
+              <a:t>：</a:t>
+            </a:r>
+          </a:p>
+          <a:p>
+            <a:pPr marL="0" indent="0">
+              <a:buNone/>
+            </a:pPr>
+            <a:r>
+              <a:rPr lang="en-US" altLang="zh-CN" dirty="0"/>
+              <a:t>python</a:t>
+            </a:r>
+            <a:r>
+              <a:rPr lang="zh-CN" altLang="en-US" dirty="0"/>
+              <a:t>语句</a:t>
+            </a:r>
+            <a:r>
+              <a:rPr lang="en-US" altLang="zh-CN" dirty="0"/>
+              <a:t>…</a:t>
+            </a:r>
+          </a:p>
+          <a:p>
+            <a:pPr marL="0" indent="0">
+              <a:buNone/>
+            </a:pPr>
+            <a:r>
+              <a:rPr lang="en-US" altLang="zh-CN" dirty="0"/>
+              <a:t>...</a:t>
+            </a:r>
+          </a:p>
+          <a:p>
+            <a:pPr marL="0" indent="0">
+              <a:buNone/>
+            </a:pPr>
+            <a:r>
+              <a:rPr lang="en-US" altLang="zh-CN" dirty="0"/>
+              <a:t>else</a:t>
+            </a:r>
+            <a:r>
+              <a:rPr lang="zh-CN" altLang="en-US" dirty="0"/>
+              <a:t>：</a:t>
+            </a:r>
+          </a:p>
+          <a:p>
+            <a:pPr marL="0" indent="0">
+              <a:buNone/>
+            </a:pPr>
+            <a:r>
+              <a:rPr lang="en-US" altLang="zh-CN" dirty="0"/>
+              <a:t>if </a:t>
+            </a:r>
+            <a:r>
+              <a:rPr lang="zh-CN" altLang="en-US" dirty="0"/>
+              <a:t>条件表达式：</a:t>
+            </a:r>
+          </a:p>
+          <a:p>
+            <a:pPr marL="0" indent="0">
+              <a:buNone/>
+            </a:pPr>
+            <a:r>
+              <a:rPr lang="en-US" altLang="zh-CN" dirty="0"/>
+              <a:t>python</a:t>
+            </a:r>
+            <a:r>
+              <a:rPr lang="zh-CN" altLang="en-US" dirty="0"/>
+              <a:t>语句</a:t>
+            </a:r>
+            <a:r>
+              <a:rPr lang="en-US" altLang="zh-CN" dirty="0"/>
+              <a:t>….</a:t>
+            </a:r>
+          </a:p>
+          <a:p>
+            <a:pPr marL="0" indent="0">
+              <a:buNone/>
+            </a:pPr>
+            <a:r>
+              <a:rPr lang="en-US" altLang="zh-CN" dirty="0"/>
+              <a:t>…</a:t>
+            </a:r>
+          </a:p>
+          <a:p>
+            <a:pPr marL="0" indent="0">
+              <a:buNone/>
+            </a:pPr>
+            <a:r>
+              <a:rPr lang="en-US" altLang="zh-CN" dirty="0"/>
+              <a:t>else</a:t>
+            </a:r>
+            <a:r>
+              <a:rPr lang="zh-CN" altLang="en-US" dirty="0"/>
+              <a:t>：</a:t>
+            </a:r>
+          </a:p>
+          <a:p>
+            <a:pPr marL="0" indent="0">
+              <a:buNone/>
+            </a:pPr>
+            <a:r>
+              <a:rPr lang="en-US" altLang="zh-CN" dirty="0"/>
+              <a:t>python</a:t>
+            </a:r>
+            <a:r>
+              <a:rPr lang="zh-CN" altLang="en-US" dirty="0"/>
+              <a:t>语句</a:t>
+            </a:r>
+            <a:r>
+              <a:rPr lang="en-US" altLang="zh-CN" dirty="0"/>
+              <a:t>…</a:t>
+            </a:r>
+          </a:p>
+          <a:p>
+            <a:pPr marL="0" indent="0">
+              <a:buNone/>
+            </a:pPr>
+            <a:r>
+              <a:rPr lang="en-US" altLang="zh-CN" dirty="0"/>
+              <a:t>…</a:t>
+            </a:r>
+          </a:p>
+          <a:p>
+            <a:endParaRPr lang="zh-CN" altLang="en-US" dirty="0"/>
+          </a:p>
+        </p:txBody>
+      </p:sp>
+    </p:spTree>
+    <p:extLst>
+      <p:ext uri="{BB962C8B-B14F-4D97-AF65-F5344CB8AC3E}">
+        <p14:creationId xmlns:p14="http://schemas.microsoft.com/office/powerpoint/2010/main" val="460751237"/>
+      </p:ext>
+    </p:extLst>
+  </p:cSld>
+  <p:clrMapOvr>
+    <a:masterClrMapping/>
+  </p:clrMapOvr>
+</p:sld>
+</file>
+
+<file path=ppt/slides/slide48.xml><?xml version="1.0" encoding="utf-8"?>
+<p:sld xmlns:a="http://schemas.openxmlformats.org/drawingml/2006/main" xmlns:r="http://schemas.openxmlformats.org/officeDocument/2006/relationships" xmlns:p="http://schemas.openxmlformats.org/presentationml/2006/main">
+  <p:cSld>
+    <p:spTree>
+      <p:nvGrpSpPr>
+        <p:cNvPr id="1" name=""/>
+        <p:cNvGrpSpPr/>
+        <p:nvPr/>
+      </p:nvGrpSpPr>
+      <p:grpSpPr>
+        <a:xfrm>
+          <a:off x="0" y="0"/>
+          <a:ext cx="0" cy="0"/>
+          <a:chOff x="0" y="0"/>
+          <a:chExt cx="0" cy="0"/>
+        </a:xfrm>
+      </p:grpSpPr>
+      <p:sp>
+        <p:nvSpPr>
+          <p:cNvPr id="2" name="标题 1"/>
+          <p:cNvSpPr>
+            <a:spLocks noGrp="1"/>
+          </p:cNvSpPr>
+          <p:nvPr>
+            <p:ph type="title"/>
+          </p:nvPr>
+        </p:nvSpPr>
+        <p:spPr/>
+        <p:txBody>
+          <a:bodyPr/>
+          <a:lstStyle/>
+          <a:p>
+            <a:r>
+              <a:rPr lang="en-US" altLang="zh-CN" dirty="0"/>
+              <a:t>Python</a:t>
+            </a:r>
+            <a:r>
+              <a:rPr lang="zh-CN" altLang="en-US" dirty="0"/>
+              <a:t>的循环</a:t>
+            </a:r>
+            <a:r>
+              <a:rPr lang="zh-CN" altLang="en-US" dirty="0" smtClean="0"/>
+              <a:t>结构</a:t>
+            </a:r>
+            <a:endParaRPr lang="zh-CN" altLang="en-US" dirty="0"/>
+          </a:p>
+        </p:txBody>
+      </p:sp>
+      <p:sp>
+        <p:nvSpPr>
+          <p:cNvPr id="3" name="内容占位符 2"/>
+          <p:cNvSpPr>
+            <a:spLocks noGrp="1"/>
+          </p:cNvSpPr>
+          <p:nvPr>
+            <p:ph idx="1"/>
+          </p:nvPr>
+        </p:nvSpPr>
+        <p:spPr/>
+        <p:txBody>
+          <a:bodyPr/>
+          <a:lstStyle/>
+          <a:p>
+            <a:pPr marL="0" indent="0">
+              <a:buNone/>
+            </a:pPr>
+            <a:r>
+              <a:rPr lang="zh-CN" altLang="en-US" dirty="0"/>
+              <a:t>流程控制介绍</a:t>
+            </a:r>
+          </a:p>
+          <a:p>
+            <a:pPr marL="0" indent="0">
+              <a:buNone/>
+            </a:pPr>
+            <a:r>
+              <a:rPr lang="en-US" altLang="zh-CN" dirty="0"/>
+              <a:t>• </a:t>
+            </a:r>
+            <a:r>
+              <a:rPr lang="zh-CN" altLang="en-US" dirty="0"/>
+              <a:t>流程</a:t>
+            </a:r>
+            <a:r>
+              <a:rPr lang="en-US" altLang="zh-CN" dirty="0"/>
+              <a:t>: </a:t>
+            </a:r>
+            <a:r>
+              <a:rPr lang="zh-CN" altLang="en-US" dirty="0"/>
+              <a:t>计算机执行代码的顺序就是流程</a:t>
+            </a:r>
+          </a:p>
+          <a:p>
+            <a:pPr marL="0" indent="0">
+              <a:buNone/>
+            </a:pPr>
+            <a:r>
+              <a:rPr lang="en-US" altLang="zh-CN" dirty="0"/>
+              <a:t>• </a:t>
+            </a:r>
+            <a:r>
+              <a:rPr lang="zh-CN" altLang="en-US" dirty="0"/>
+              <a:t>流程控制</a:t>
+            </a:r>
+            <a:r>
+              <a:rPr lang="en-US" altLang="zh-CN" dirty="0"/>
+              <a:t>: </a:t>
+            </a:r>
+            <a:r>
+              <a:rPr lang="zh-CN" altLang="en-US" dirty="0"/>
+              <a:t>对计算机代码执行顺序的管理就是流程控制</a:t>
+            </a:r>
+          </a:p>
+          <a:p>
+            <a:pPr marL="0" indent="0">
+              <a:buNone/>
+            </a:pPr>
+            <a:r>
+              <a:rPr lang="en-US" altLang="zh-CN" dirty="0"/>
+              <a:t>• </a:t>
+            </a:r>
+            <a:r>
+              <a:rPr lang="zh-CN" altLang="en-US" dirty="0"/>
+              <a:t>流程分类</a:t>
+            </a:r>
+            <a:r>
+              <a:rPr lang="en-US" altLang="zh-CN" dirty="0"/>
+              <a:t>: </a:t>
+            </a:r>
+            <a:r>
+              <a:rPr lang="zh-CN" altLang="en-US" dirty="0"/>
+              <a:t>流程控制一共分为三类：</a:t>
+            </a:r>
+          </a:p>
+          <a:p>
+            <a:pPr marL="0" indent="0">
+              <a:buNone/>
+            </a:pPr>
+            <a:r>
+              <a:rPr lang="en-US" altLang="zh-CN" dirty="0"/>
+              <a:t>1. </a:t>
+            </a:r>
+            <a:r>
+              <a:rPr lang="zh-CN" altLang="en-US" dirty="0"/>
+              <a:t>顺序结构</a:t>
+            </a:r>
+          </a:p>
+          <a:p>
+            <a:pPr marL="0" indent="0">
+              <a:buNone/>
+            </a:pPr>
+            <a:r>
+              <a:rPr lang="en-US" altLang="zh-CN" dirty="0"/>
+              <a:t>2. </a:t>
+            </a:r>
+            <a:r>
+              <a:rPr lang="zh-CN" altLang="en-US" dirty="0"/>
+              <a:t>分支结构</a:t>
+            </a:r>
+            <a:r>
+              <a:rPr lang="en-US" altLang="zh-CN" dirty="0"/>
+              <a:t>/</a:t>
+            </a:r>
+            <a:r>
+              <a:rPr lang="zh-CN" altLang="en-US" dirty="0"/>
+              <a:t>选择结构</a:t>
+            </a:r>
+          </a:p>
+          <a:p>
+            <a:pPr marL="0" indent="0">
+              <a:buNone/>
+            </a:pPr>
+            <a:r>
+              <a:rPr lang="en-US" altLang="zh-CN" dirty="0"/>
+              <a:t>3. </a:t>
+            </a:r>
+            <a:r>
+              <a:rPr lang="zh-CN" altLang="en-US" dirty="0"/>
+              <a:t>循环</a:t>
+            </a:r>
+            <a:r>
+              <a:rPr lang="zh-CN" altLang="en-US" dirty="0" smtClean="0"/>
+              <a:t>结构</a:t>
+            </a:r>
+            <a:endParaRPr lang="zh-CN" altLang="en-US" dirty="0"/>
+          </a:p>
+        </p:txBody>
+      </p:sp>
+    </p:spTree>
+    <p:extLst>
+      <p:ext uri="{BB962C8B-B14F-4D97-AF65-F5344CB8AC3E}">
+        <p14:creationId xmlns:p14="http://schemas.microsoft.com/office/powerpoint/2010/main" val="3859143088"/>
+      </p:ext>
+    </p:extLst>
+  </p:cSld>
+  <p:clrMapOvr>
+    <a:masterClrMapping/>
+  </p:clrMapOvr>
+</p:sld>
+</file>
+
+<file path=ppt/slides/slide49.xml><?xml version="1.0" encoding="utf-8"?>
+<p:sld xmlns:a="http://schemas.openxmlformats.org/drawingml/2006/main" xmlns:r="http://schemas.openxmlformats.org/officeDocument/2006/relationships" xmlns:p="http://schemas.openxmlformats.org/presentationml/2006/main">
+  <p:cSld>
+    <p:spTree>
+      <p:nvGrpSpPr>
+        <p:cNvPr id="1" name=""/>
+        <p:cNvGrpSpPr/>
+        <p:nvPr/>
+      </p:nvGrpSpPr>
+      <p:grpSpPr>
+        <a:xfrm>
+          <a:off x="0" y="0"/>
+          <a:ext cx="0" cy="0"/>
+          <a:chOff x="0" y="0"/>
+          <a:chExt cx="0" cy="0"/>
+        </a:xfrm>
+      </p:grpSpPr>
+      <p:sp>
+        <p:nvSpPr>
+          <p:cNvPr id="2" name="标题 1"/>
+          <p:cNvSpPr>
+            <a:spLocks noGrp="1"/>
+          </p:cNvSpPr>
+          <p:nvPr>
+            <p:ph type="title"/>
+          </p:nvPr>
+        </p:nvSpPr>
+        <p:spPr/>
+        <p:txBody>
+          <a:bodyPr/>
+          <a:lstStyle/>
+          <a:p>
+            <a:r>
+              <a:rPr lang="en-US" altLang="zh-CN" dirty="0"/>
+              <a:t>Python</a:t>
+            </a:r>
+            <a:r>
+              <a:rPr lang="zh-CN" altLang="en-US" dirty="0"/>
+              <a:t>的循环结构</a:t>
+            </a:r>
+          </a:p>
+        </p:txBody>
+      </p:sp>
+      <p:sp>
+        <p:nvSpPr>
+          <p:cNvPr id="3" name="内容占位符 2"/>
+          <p:cNvSpPr>
+            <a:spLocks noGrp="1"/>
+          </p:cNvSpPr>
+          <p:nvPr>
+            <p:ph idx="1"/>
+          </p:nvPr>
+        </p:nvSpPr>
+        <p:spPr/>
+        <p:txBody>
+          <a:bodyPr>
+            <a:normAutofit fontScale="85000" lnSpcReduction="20000"/>
+          </a:bodyPr>
+          <a:lstStyle/>
+          <a:p>
+            <a:pPr marL="0" indent="0">
+              <a:buNone/>
+            </a:pPr>
+            <a:r>
+              <a:rPr lang="en-US" altLang="zh-CN" dirty="0"/>
+              <a:t>1. While</a:t>
+            </a:r>
+            <a:r>
+              <a:rPr lang="zh-CN" altLang="en-US" dirty="0"/>
+              <a:t>循环</a:t>
+            </a:r>
+          </a:p>
+          <a:p>
+            <a:pPr marL="0" indent="0">
+              <a:buNone/>
+            </a:pPr>
+            <a:r>
+              <a:rPr lang="zh-CN" altLang="en-US" dirty="0"/>
+              <a:t>格式</a:t>
+            </a:r>
+            <a:r>
+              <a:rPr lang="en-US" altLang="zh-CN" dirty="0"/>
+              <a:t>1</a:t>
+            </a:r>
+            <a:r>
+              <a:rPr lang="zh-CN" altLang="en-US" dirty="0"/>
+              <a:t>：</a:t>
+            </a:r>
+          </a:p>
+          <a:p>
+            <a:pPr marL="0" indent="0">
+              <a:buNone/>
+            </a:pPr>
+            <a:r>
+              <a:rPr lang="en-US" altLang="zh-CN" dirty="0"/>
+              <a:t>while </a:t>
+            </a:r>
+            <a:r>
+              <a:rPr lang="zh-CN" altLang="en-US" dirty="0"/>
+              <a:t>条件表达式：</a:t>
+            </a:r>
+          </a:p>
+          <a:p>
+            <a:pPr marL="0" indent="0">
+              <a:buNone/>
+            </a:pPr>
+            <a:r>
+              <a:rPr lang="zh-CN" altLang="en-US" dirty="0"/>
+              <a:t>循环的内容</a:t>
+            </a:r>
+          </a:p>
+          <a:p>
+            <a:pPr marL="0" indent="0">
+              <a:buNone/>
+            </a:pPr>
+            <a:r>
+              <a:rPr lang="en-US" altLang="zh-CN" dirty="0"/>
+              <a:t>[</a:t>
+            </a:r>
+            <a:r>
+              <a:rPr lang="zh-CN" altLang="en-US" dirty="0"/>
+              <a:t>变量的变化</a:t>
+            </a:r>
+            <a:r>
+              <a:rPr lang="en-US" altLang="zh-CN" dirty="0"/>
+              <a:t>]</a:t>
+            </a:r>
+          </a:p>
+          <a:p>
+            <a:pPr marL="0" indent="0">
+              <a:buNone/>
+            </a:pPr>
+            <a:r>
+              <a:rPr lang="zh-CN" altLang="en-US" dirty="0"/>
+              <a:t>格式</a:t>
+            </a:r>
+            <a:r>
+              <a:rPr lang="en-US" altLang="zh-CN" dirty="0"/>
+              <a:t>2</a:t>
+            </a:r>
+            <a:r>
+              <a:rPr lang="zh-CN" altLang="en-US" dirty="0"/>
+              <a:t>：</a:t>
+            </a:r>
+          </a:p>
+          <a:p>
+            <a:pPr marL="0" indent="0">
+              <a:buNone/>
+            </a:pPr>
+            <a:r>
+              <a:rPr lang="en-US" altLang="zh-CN" dirty="0"/>
+              <a:t>while </a:t>
+            </a:r>
+            <a:r>
+              <a:rPr lang="zh-CN" altLang="en-US" dirty="0"/>
+              <a:t>条件表达式：</a:t>
+            </a:r>
+          </a:p>
+          <a:p>
+            <a:pPr marL="0" indent="0">
+              <a:buNone/>
+            </a:pPr>
+            <a:r>
+              <a:rPr lang="zh-CN" altLang="en-US" dirty="0"/>
+              <a:t>循环的内容</a:t>
+            </a:r>
+          </a:p>
+          <a:p>
+            <a:pPr marL="0" indent="0">
+              <a:buNone/>
+            </a:pPr>
+            <a:r>
+              <a:rPr lang="en-US" altLang="zh-CN" dirty="0"/>
+              <a:t>[</a:t>
+            </a:r>
+            <a:r>
+              <a:rPr lang="zh-CN" altLang="en-US" dirty="0"/>
+              <a:t>变量的变化</a:t>
+            </a:r>
+            <a:r>
+              <a:rPr lang="en-US" altLang="zh-CN" dirty="0"/>
+              <a:t>]</a:t>
+            </a:r>
+          </a:p>
+          <a:p>
+            <a:pPr marL="0" indent="0">
+              <a:buNone/>
+            </a:pPr>
+            <a:r>
+              <a:rPr lang="en-US" altLang="zh-CN" dirty="0"/>
+              <a:t>else:</a:t>
+            </a:r>
+          </a:p>
+          <a:p>
+            <a:pPr marL="0" indent="0">
+              <a:buNone/>
+            </a:pPr>
+            <a:r>
+              <a:rPr lang="en-US" altLang="zh-CN" dirty="0"/>
+              <a:t>python</a:t>
+            </a:r>
+            <a:r>
+              <a:rPr lang="zh-CN" altLang="en-US" dirty="0"/>
+              <a:t>语句</a:t>
+            </a:r>
+            <a:r>
+              <a:rPr lang="en-US" altLang="zh-CN" dirty="0" smtClean="0"/>
+              <a:t>…</a:t>
+            </a:r>
+            <a:endParaRPr lang="en-US" altLang="zh-CN" dirty="0"/>
+          </a:p>
+        </p:txBody>
+      </p:sp>
+    </p:spTree>
+    <p:extLst>
+      <p:ext uri="{BB962C8B-B14F-4D97-AF65-F5344CB8AC3E}">
+        <p14:creationId xmlns:p14="http://schemas.microsoft.com/office/powerpoint/2010/main" val="2417762454"/>
+      </p:ext>
+    </p:extLst>
+  </p:cSld>
+  <p:clrMapOvr>
+    <a:masterClrMapping/>
+  </p:clrMapOvr>
+</p:sld>
+</file>
+
 <file path=ppt/slides/slide5.xml><?xml version="1.0" encoding="utf-8"?>
 <p:sld xmlns:a="http://schemas.openxmlformats.org/drawingml/2006/main" xmlns:r="http://schemas.openxmlformats.org/officeDocument/2006/relationships" xmlns:p="http://schemas.openxmlformats.org/presentationml/2006/main">
   <p:cSld>
@@ -11512,6 +13898,1377 @@
     <p:extLst>
       <p:ext uri="{BB962C8B-B14F-4D97-AF65-F5344CB8AC3E}">
         <p14:creationId xmlns:p14="http://schemas.microsoft.com/office/powerpoint/2010/main" val="1617970400"/>
+      </p:ext>
+    </p:extLst>
+  </p:cSld>
+  <p:clrMapOvr>
+    <a:masterClrMapping/>
+  </p:clrMapOvr>
+</p:sld>
+</file>
+
+<file path=ppt/slides/slide50.xml><?xml version="1.0" encoding="utf-8"?>
+<p:sld xmlns:a="http://schemas.openxmlformats.org/drawingml/2006/main" xmlns:r="http://schemas.openxmlformats.org/officeDocument/2006/relationships" xmlns:p="http://schemas.openxmlformats.org/presentationml/2006/main">
+  <p:cSld>
+    <p:spTree>
+      <p:nvGrpSpPr>
+        <p:cNvPr id="1" name=""/>
+        <p:cNvGrpSpPr/>
+        <p:nvPr/>
+      </p:nvGrpSpPr>
+      <p:grpSpPr>
+        <a:xfrm>
+          <a:off x="0" y="0"/>
+          <a:ext cx="0" cy="0"/>
+          <a:chOff x="0" y="0"/>
+          <a:chExt cx="0" cy="0"/>
+        </a:xfrm>
+      </p:grpSpPr>
+      <p:sp>
+        <p:nvSpPr>
+          <p:cNvPr id="2" name="标题 1"/>
+          <p:cNvSpPr>
+            <a:spLocks noGrp="1"/>
+          </p:cNvSpPr>
+          <p:nvPr>
+            <p:ph type="title"/>
+          </p:nvPr>
+        </p:nvSpPr>
+        <p:spPr/>
+        <p:txBody>
+          <a:bodyPr/>
+          <a:lstStyle/>
+          <a:p>
+            <a:r>
+              <a:rPr lang="en-US" altLang="zh-CN" dirty="0"/>
+              <a:t>Python</a:t>
+            </a:r>
+            <a:r>
+              <a:rPr lang="zh-CN" altLang="en-US" dirty="0"/>
+              <a:t>的循环结构</a:t>
+            </a:r>
+          </a:p>
+        </p:txBody>
+      </p:sp>
+      <p:sp>
+        <p:nvSpPr>
+          <p:cNvPr id="3" name="内容占位符 2"/>
+          <p:cNvSpPr>
+            <a:spLocks noGrp="1"/>
+          </p:cNvSpPr>
+          <p:nvPr>
+            <p:ph idx="1"/>
+          </p:nvPr>
+        </p:nvSpPr>
+        <p:spPr/>
+        <p:txBody>
+          <a:bodyPr/>
+          <a:lstStyle/>
+          <a:p>
+            <a:pPr marL="0" indent="0">
+              <a:buNone/>
+            </a:pPr>
+            <a:r>
+              <a:rPr lang="zh-CN" altLang="en-US" dirty="0"/>
+              <a:t>注意</a:t>
+            </a:r>
+            <a:r>
+              <a:rPr lang="en-US" altLang="zh-CN" dirty="0"/>
+              <a:t>:</a:t>
+            </a:r>
+          </a:p>
+          <a:p>
+            <a:pPr marL="0" indent="0">
+              <a:buNone/>
+            </a:pPr>
+            <a:r>
+              <a:rPr lang="en-US" altLang="zh-CN" dirty="0"/>
+              <a:t>•  while</a:t>
+            </a:r>
+            <a:r>
+              <a:rPr lang="zh-CN" altLang="en-US" dirty="0"/>
+              <a:t>循环中的</a:t>
+            </a:r>
+            <a:r>
+              <a:rPr lang="en-US" altLang="zh-CN" dirty="0"/>
+              <a:t>else</a:t>
+            </a:r>
+            <a:r>
+              <a:rPr lang="zh-CN" altLang="en-US" dirty="0"/>
+              <a:t>是在</a:t>
+            </a:r>
+            <a:r>
+              <a:rPr lang="en-US" altLang="zh-CN" dirty="0"/>
+              <a:t>while</a:t>
+            </a:r>
+            <a:r>
+              <a:rPr lang="zh-CN" altLang="en-US" dirty="0"/>
+              <a:t>条件表达式为假的情况下</a:t>
+            </a:r>
+          </a:p>
+          <a:p>
+            <a:pPr marL="0" indent="0">
+              <a:buNone/>
+            </a:pPr>
+            <a:r>
+              <a:rPr lang="zh-CN" altLang="en-US" dirty="0"/>
+              <a:t>执行的代码内容</a:t>
+            </a:r>
+            <a:r>
+              <a:rPr lang="en-US" altLang="zh-CN" dirty="0"/>
+              <a:t>,</a:t>
+            </a:r>
+            <a:r>
+              <a:rPr lang="zh-CN" altLang="en-US" dirty="0"/>
+              <a:t>一般用于判断起始条件是否为假等相关</a:t>
+            </a:r>
+          </a:p>
+          <a:p>
+            <a:pPr marL="0" indent="0">
+              <a:buNone/>
+            </a:pPr>
+            <a:r>
+              <a:rPr lang="zh-CN" altLang="en-US" dirty="0"/>
+              <a:t>操作。</a:t>
+            </a:r>
+          </a:p>
+          <a:p>
+            <a:pPr marL="0" indent="0">
+              <a:buNone/>
+            </a:pPr>
+            <a:r>
+              <a:rPr lang="en-US" altLang="zh-CN" dirty="0"/>
+              <a:t>•  </a:t>
+            </a:r>
+            <a:r>
+              <a:rPr lang="zh-CN" altLang="en-US" dirty="0"/>
+              <a:t>死循环就是循环不会终止的循环类型，通过将用于判断</a:t>
+            </a:r>
+          </a:p>
+          <a:p>
+            <a:pPr marL="0" indent="0">
+              <a:buNone/>
+            </a:pPr>
+            <a:r>
+              <a:rPr lang="zh-CN" altLang="en-US" dirty="0"/>
+              <a:t>的条件表达式设置为永远为</a:t>
+            </a:r>
+            <a:r>
+              <a:rPr lang="en-US" altLang="zh-CN" dirty="0"/>
+              <a:t>True</a:t>
+            </a:r>
+            <a:r>
+              <a:rPr lang="zh-CN" altLang="en-US" dirty="0"/>
+              <a:t>来实现。</a:t>
+            </a:r>
+          </a:p>
+          <a:p>
+            <a:endParaRPr lang="zh-CN" altLang="en-US" dirty="0"/>
+          </a:p>
+        </p:txBody>
+      </p:sp>
+    </p:spTree>
+    <p:extLst>
+      <p:ext uri="{BB962C8B-B14F-4D97-AF65-F5344CB8AC3E}">
+        <p14:creationId xmlns:p14="http://schemas.microsoft.com/office/powerpoint/2010/main" val="701967471"/>
+      </p:ext>
+    </p:extLst>
+  </p:cSld>
+  <p:clrMapOvr>
+    <a:masterClrMapping/>
+  </p:clrMapOvr>
+</p:sld>
+</file>
+
+<file path=ppt/slides/slide51.xml><?xml version="1.0" encoding="utf-8"?>
+<p:sld xmlns:a="http://schemas.openxmlformats.org/drawingml/2006/main" xmlns:r="http://schemas.openxmlformats.org/officeDocument/2006/relationships" xmlns:p="http://schemas.openxmlformats.org/presentationml/2006/main">
+  <p:cSld>
+    <p:spTree>
+      <p:nvGrpSpPr>
+        <p:cNvPr id="1" name=""/>
+        <p:cNvGrpSpPr/>
+        <p:nvPr/>
+      </p:nvGrpSpPr>
+      <p:grpSpPr>
+        <a:xfrm>
+          <a:off x="0" y="0"/>
+          <a:ext cx="0" cy="0"/>
+          <a:chOff x="0" y="0"/>
+          <a:chExt cx="0" cy="0"/>
+        </a:xfrm>
+      </p:grpSpPr>
+      <p:sp>
+        <p:nvSpPr>
+          <p:cNvPr id="2" name="标题 1"/>
+          <p:cNvSpPr>
+            <a:spLocks noGrp="1"/>
+          </p:cNvSpPr>
+          <p:nvPr>
+            <p:ph type="title"/>
+          </p:nvPr>
+        </p:nvSpPr>
+        <p:spPr/>
+        <p:txBody>
+          <a:bodyPr/>
+          <a:lstStyle/>
+          <a:p>
+            <a:r>
+              <a:rPr lang="en-US" altLang="zh-CN" dirty="0"/>
+              <a:t>Python</a:t>
+            </a:r>
+            <a:r>
+              <a:rPr lang="zh-CN" altLang="en-US" dirty="0"/>
+              <a:t>的循环结构</a:t>
+            </a:r>
+          </a:p>
+        </p:txBody>
+      </p:sp>
+      <p:sp>
+        <p:nvSpPr>
+          <p:cNvPr id="3" name="内容占位符 2"/>
+          <p:cNvSpPr>
+            <a:spLocks noGrp="1"/>
+          </p:cNvSpPr>
+          <p:nvPr>
+            <p:ph idx="1"/>
+          </p:nvPr>
+        </p:nvSpPr>
+        <p:spPr/>
+        <p:txBody>
+          <a:bodyPr>
+            <a:normAutofit fontScale="85000" lnSpcReduction="20000"/>
+          </a:bodyPr>
+          <a:lstStyle/>
+          <a:p>
+            <a:pPr marL="0" indent="0">
+              <a:buNone/>
+            </a:pPr>
+            <a:r>
+              <a:rPr lang="en-US" altLang="zh-CN" dirty="0"/>
+              <a:t>2. for … in </a:t>
+            </a:r>
+            <a:r>
+              <a:rPr lang="zh-CN" altLang="en-US" dirty="0"/>
+              <a:t>循环</a:t>
+            </a:r>
+          </a:p>
+          <a:p>
+            <a:pPr marL="0" indent="0">
+              <a:buNone/>
+            </a:pPr>
+            <a:r>
+              <a:rPr lang="en-US" altLang="zh-CN" dirty="0"/>
+              <a:t>•  for...in </a:t>
+            </a:r>
+            <a:r>
+              <a:rPr lang="zh-CN" altLang="en-US" dirty="0"/>
+              <a:t>循环用于遍历容器类的数据（字符串，列表，元组，字典，集合）</a:t>
+            </a:r>
+          </a:p>
+          <a:p>
+            <a:pPr marL="0" indent="0">
+              <a:buNone/>
+            </a:pPr>
+            <a:r>
+              <a:rPr lang="zh-CN" altLang="en-US" dirty="0"/>
+              <a:t>格式：</a:t>
+            </a:r>
+          </a:p>
+          <a:p>
+            <a:pPr marL="0" indent="0">
+              <a:buNone/>
+            </a:pPr>
+            <a:r>
+              <a:rPr lang="en-US" altLang="zh-CN" dirty="0"/>
+              <a:t>for </a:t>
+            </a:r>
+            <a:r>
+              <a:rPr lang="zh-CN" altLang="en-US" dirty="0"/>
+              <a:t>变量 </a:t>
+            </a:r>
+            <a:r>
+              <a:rPr lang="en-US" altLang="zh-CN" dirty="0"/>
+              <a:t>in </a:t>
+            </a:r>
+            <a:r>
+              <a:rPr lang="zh-CN" altLang="en-US" dirty="0"/>
+              <a:t>容器：</a:t>
+            </a:r>
+          </a:p>
+          <a:p>
+            <a:pPr marL="0" indent="0">
+              <a:buNone/>
+            </a:pPr>
+            <a:r>
+              <a:rPr lang="en-US" altLang="zh-CN" dirty="0"/>
+              <a:t>python</a:t>
+            </a:r>
+            <a:r>
+              <a:rPr lang="zh-CN" altLang="en-US" dirty="0"/>
+              <a:t>代码</a:t>
+            </a:r>
+            <a:r>
+              <a:rPr lang="en-US" altLang="zh-CN" dirty="0"/>
+              <a:t>,</a:t>
+            </a:r>
+            <a:r>
+              <a:rPr lang="zh-CN" altLang="en-US" dirty="0"/>
+              <a:t>可以在此使用变量</a:t>
+            </a:r>
+          </a:p>
+          <a:p>
+            <a:pPr marL="0" indent="0">
+              <a:buNone/>
+            </a:pPr>
+            <a:r>
+              <a:rPr lang="zh-CN" altLang="en-US" dirty="0"/>
+              <a:t>格式</a:t>
+            </a:r>
+            <a:r>
+              <a:rPr lang="en-US" altLang="zh-CN" dirty="0"/>
+              <a:t>2</a:t>
+            </a:r>
+            <a:r>
+              <a:rPr lang="zh-CN" altLang="en-US" dirty="0"/>
+              <a:t>：</a:t>
+            </a:r>
+          </a:p>
+          <a:p>
+            <a:pPr marL="0" indent="0">
+              <a:buNone/>
+            </a:pPr>
+            <a:r>
+              <a:rPr lang="en-US" altLang="zh-CN" dirty="0"/>
+              <a:t>for </a:t>
+            </a:r>
+            <a:r>
+              <a:rPr lang="zh-CN" altLang="en-US" dirty="0"/>
+              <a:t>变量</a:t>
+            </a:r>
+            <a:r>
+              <a:rPr lang="en-US" altLang="zh-CN" dirty="0"/>
+              <a:t>1,</a:t>
+            </a:r>
+            <a:r>
+              <a:rPr lang="zh-CN" altLang="en-US" dirty="0"/>
+              <a:t>变量</a:t>
+            </a:r>
+            <a:r>
+              <a:rPr lang="en-US" altLang="zh-CN" dirty="0"/>
+              <a:t>2 in </a:t>
+            </a:r>
+            <a:r>
+              <a:rPr lang="zh-CN" altLang="en-US" dirty="0"/>
+              <a:t>容器：</a:t>
+            </a:r>
+          </a:p>
+          <a:p>
+            <a:pPr marL="0" indent="0">
+              <a:buNone/>
+            </a:pPr>
+            <a:r>
+              <a:rPr lang="en-US" altLang="zh-CN" dirty="0"/>
+              <a:t>python</a:t>
+            </a:r>
+            <a:r>
+              <a:rPr lang="zh-CN" altLang="en-US" dirty="0"/>
+              <a:t>代码</a:t>
+            </a:r>
+            <a:r>
+              <a:rPr lang="en-US" altLang="zh-CN" dirty="0"/>
+              <a:t>,</a:t>
+            </a:r>
+            <a:r>
+              <a:rPr lang="zh-CN" altLang="en-US" dirty="0"/>
+              <a:t>可以在此使用变量</a:t>
+            </a:r>
+            <a:r>
+              <a:rPr lang="en-US" altLang="zh-CN" dirty="0"/>
+              <a:t>1</a:t>
+            </a:r>
+            <a:r>
+              <a:rPr lang="zh-CN" altLang="en-US" dirty="0"/>
+              <a:t>和变量</a:t>
+            </a:r>
+            <a:r>
+              <a:rPr lang="en-US" altLang="zh-CN" dirty="0"/>
+              <a:t>2</a:t>
+            </a:r>
+          </a:p>
+          <a:p>
+            <a:pPr marL="0" indent="0">
+              <a:buNone/>
+            </a:pPr>
+            <a:r>
+              <a:rPr lang="en-US" altLang="zh-CN" dirty="0"/>
+              <a:t>•  </a:t>
+            </a:r>
+            <a:r>
+              <a:rPr lang="zh-CN" altLang="en-US" dirty="0"/>
+              <a:t>要求遍历的容器可以是一下几种格式：</a:t>
+            </a:r>
+          </a:p>
+          <a:p>
+            <a:pPr marL="0" indent="0">
+              <a:buNone/>
+            </a:pPr>
+            <a:r>
+              <a:rPr lang="en-US" altLang="zh-CN" dirty="0"/>
+              <a:t>[(),(),()] </a:t>
+            </a:r>
+            <a:r>
+              <a:rPr lang="zh-CN" altLang="en-US" dirty="0"/>
+              <a:t>列表中有元组 </a:t>
+            </a:r>
+            <a:r>
+              <a:rPr lang="en-US" altLang="zh-CN" dirty="0"/>
+              <a:t>[[],[],[]] </a:t>
+            </a:r>
+            <a:r>
+              <a:rPr lang="zh-CN" altLang="en-US" dirty="0"/>
+              <a:t>列表中有列表</a:t>
+            </a:r>
+          </a:p>
+          <a:p>
+            <a:pPr marL="0" indent="0">
+              <a:buNone/>
+            </a:pPr>
+            <a:r>
+              <a:rPr lang="en-US" altLang="zh-CN" dirty="0"/>
+              <a:t>((),(),()) </a:t>
+            </a:r>
+            <a:r>
+              <a:rPr lang="zh-CN" altLang="en-US" dirty="0"/>
+              <a:t>元组中有元组 </a:t>
+            </a:r>
+            <a:r>
+              <a:rPr lang="en-US" altLang="zh-CN" dirty="0"/>
+              <a:t>{(),(),()} </a:t>
+            </a:r>
+            <a:r>
+              <a:rPr lang="zh-CN" altLang="en-US" dirty="0"/>
+              <a:t>集合中有元组</a:t>
+            </a:r>
+          </a:p>
+          <a:p>
+            <a:endParaRPr lang="zh-CN" altLang="en-US" dirty="0"/>
+          </a:p>
+        </p:txBody>
+      </p:sp>
+    </p:spTree>
+    <p:extLst>
+      <p:ext uri="{BB962C8B-B14F-4D97-AF65-F5344CB8AC3E}">
+        <p14:creationId xmlns:p14="http://schemas.microsoft.com/office/powerpoint/2010/main" val="147688278"/>
+      </p:ext>
+    </p:extLst>
+  </p:cSld>
+  <p:clrMapOvr>
+    <a:masterClrMapping/>
+  </p:clrMapOvr>
+</p:sld>
+</file>
+
+<file path=ppt/slides/slide52.xml><?xml version="1.0" encoding="utf-8"?>
+<p:sld xmlns:a="http://schemas.openxmlformats.org/drawingml/2006/main" xmlns:r="http://schemas.openxmlformats.org/officeDocument/2006/relationships" xmlns:p="http://schemas.openxmlformats.org/presentationml/2006/main">
+  <p:cSld>
+    <p:spTree>
+      <p:nvGrpSpPr>
+        <p:cNvPr id="1" name=""/>
+        <p:cNvGrpSpPr/>
+        <p:nvPr/>
+      </p:nvGrpSpPr>
+      <p:grpSpPr>
+        <a:xfrm>
+          <a:off x="0" y="0"/>
+          <a:ext cx="0" cy="0"/>
+          <a:chOff x="0" y="0"/>
+          <a:chExt cx="0" cy="0"/>
+        </a:xfrm>
+      </p:grpSpPr>
+      <p:sp>
+        <p:nvSpPr>
+          <p:cNvPr id="2" name="标题 1"/>
+          <p:cNvSpPr>
+            <a:spLocks noGrp="1"/>
+          </p:cNvSpPr>
+          <p:nvPr>
+            <p:ph type="title"/>
+          </p:nvPr>
+        </p:nvSpPr>
+        <p:spPr/>
+        <p:txBody>
+          <a:bodyPr/>
+          <a:lstStyle/>
+          <a:p>
+            <a:r>
+              <a:rPr lang="en-US" altLang="zh-CN" dirty="0"/>
+              <a:t>Python</a:t>
+            </a:r>
+            <a:r>
+              <a:rPr lang="zh-CN" altLang="en-US" dirty="0"/>
+              <a:t>的循环结构</a:t>
+            </a:r>
+          </a:p>
+        </p:txBody>
+      </p:sp>
+      <p:sp>
+        <p:nvSpPr>
+          <p:cNvPr id="3" name="内容占位符 2"/>
+          <p:cNvSpPr>
+            <a:spLocks noGrp="1"/>
+          </p:cNvSpPr>
+          <p:nvPr>
+            <p:ph idx="1"/>
+          </p:nvPr>
+        </p:nvSpPr>
+        <p:spPr/>
+        <p:txBody>
+          <a:bodyPr>
+            <a:normAutofit fontScale="62500" lnSpcReduction="20000"/>
+          </a:bodyPr>
+          <a:lstStyle/>
+          <a:p>
+            <a:pPr marL="0" indent="0">
+              <a:buNone/>
+            </a:pPr>
+            <a:r>
+              <a:rPr lang="en-US" altLang="zh-CN" dirty="0"/>
+              <a:t>3. range( )</a:t>
+            </a:r>
+            <a:r>
+              <a:rPr lang="zh-CN" altLang="en-US" dirty="0"/>
+              <a:t>函数</a:t>
+            </a:r>
+          </a:p>
+          <a:p>
+            <a:pPr marL="0" indent="0">
+              <a:buNone/>
+            </a:pPr>
+            <a:r>
+              <a:rPr lang="en-US" altLang="zh-CN" dirty="0"/>
+              <a:t>•  </a:t>
+            </a:r>
+            <a:r>
+              <a:rPr lang="zh-CN" altLang="en-US" dirty="0"/>
+              <a:t>如果你需要遍历数字序列，可以使用内置</a:t>
+            </a:r>
+            <a:r>
+              <a:rPr lang="en-US" altLang="zh-CN" dirty="0"/>
+              <a:t>range()</a:t>
+            </a:r>
+            <a:r>
+              <a:rPr lang="zh-CN" altLang="en-US" dirty="0"/>
+              <a:t>函数。它会生成数列，例如</a:t>
+            </a:r>
+            <a:r>
+              <a:rPr lang="en-US" altLang="zh-CN" dirty="0"/>
+              <a:t>:</a:t>
+            </a:r>
+          </a:p>
+          <a:p>
+            <a:pPr marL="0" indent="0">
+              <a:buNone/>
+            </a:pPr>
+            <a:r>
+              <a:rPr lang="en-US" altLang="zh-CN" dirty="0"/>
+              <a:t>for </a:t>
+            </a:r>
+            <a:r>
+              <a:rPr lang="en-US" altLang="zh-CN" dirty="0" err="1"/>
+              <a:t>i</a:t>
+            </a:r>
+            <a:r>
+              <a:rPr lang="en-US" altLang="zh-CN" dirty="0"/>
+              <a:t> in range(5): # </a:t>
+            </a:r>
+            <a:r>
+              <a:rPr lang="zh-CN" altLang="en-US" dirty="0"/>
+              <a:t>遍历出</a:t>
+            </a:r>
+            <a:r>
+              <a:rPr lang="en-US" altLang="zh-CN" dirty="0"/>
+              <a:t>0~4</a:t>
+            </a:r>
+            <a:r>
+              <a:rPr lang="zh-CN" altLang="en-US" dirty="0"/>
+              <a:t>的值</a:t>
+            </a:r>
+          </a:p>
+          <a:p>
+            <a:pPr marL="0" indent="0">
+              <a:buNone/>
+            </a:pPr>
+            <a:r>
+              <a:rPr lang="en-US" altLang="zh-CN" dirty="0"/>
+              <a:t>print(</a:t>
+            </a:r>
+            <a:r>
+              <a:rPr lang="en-US" altLang="zh-CN" dirty="0" err="1"/>
+              <a:t>i</a:t>
+            </a:r>
+            <a:r>
+              <a:rPr lang="en-US" altLang="zh-CN" dirty="0"/>
+              <a:t>)</a:t>
+            </a:r>
+          </a:p>
+          <a:p>
+            <a:pPr marL="0" indent="0">
+              <a:buNone/>
+            </a:pPr>
+            <a:r>
+              <a:rPr lang="en-US" altLang="zh-CN" dirty="0"/>
+              <a:t>for </a:t>
+            </a:r>
+            <a:r>
+              <a:rPr lang="en-US" altLang="zh-CN" dirty="0" err="1"/>
+              <a:t>i</a:t>
+            </a:r>
+            <a:r>
+              <a:rPr lang="en-US" altLang="zh-CN" dirty="0"/>
+              <a:t> in range(5,9): # </a:t>
+            </a:r>
+            <a:r>
+              <a:rPr lang="zh-CN" altLang="en-US" dirty="0"/>
+              <a:t>遍历出</a:t>
+            </a:r>
+            <a:r>
+              <a:rPr lang="en-US" altLang="zh-CN" dirty="0"/>
+              <a:t>5~8</a:t>
+            </a:r>
+            <a:r>
+              <a:rPr lang="zh-CN" altLang="en-US" dirty="0"/>
+              <a:t>的值</a:t>
+            </a:r>
+          </a:p>
+          <a:p>
+            <a:pPr marL="0" indent="0">
+              <a:buNone/>
+            </a:pPr>
+            <a:r>
+              <a:rPr lang="en-US" altLang="zh-CN" dirty="0"/>
+              <a:t>print(</a:t>
+            </a:r>
+            <a:r>
+              <a:rPr lang="en-US" altLang="zh-CN" dirty="0" err="1"/>
+              <a:t>i</a:t>
+            </a:r>
+            <a:r>
+              <a:rPr lang="en-US" altLang="zh-CN" dirty="0"/>
+              <a:t>)</a:t>
+            </a:r>
+          </a:p>
+          <a:p>
+            <a:pPr marL="0" indent="0">
+              <a:buNone/>
+            </a:pPr>
+            <a:r>
+              <a:rPr lang="en-US" altLang="zh-CN" dirty="0"/>
+              <a:t>for </a:t>
+            </a:r>
+            <a:r>
+              <a:rPr lang="en-US" altLang="zh-CN" dirty="0" err="1"/>
+              <a:t>i</a:t>
+            </a:r>
+            <a:r>
+              <a:rPr lang="en-US" altLang="zh-CN" dirty="0"/>
+              <a:t> in range(0,10,3): # </a:t>
+            </a:r>
+            <a:r>
+              <a:rPr lang="zh-CN" altLang="en-US" dirty="0"/>
+              <a:t>遍历出</a:t>
+            </a:r>
+            <a:r>
+              <a:rPr lang="en-US" altLang="zh-CN" dirty="0"/>
+              <a:t>0,3,6,9</a:t>
+            </a:r>
+            <a:r>
+              <a:rPr lang="zh-CN" altLang="en-US" dirty="0"/>
+              <a:t>的值，第一个值为起始，第二个值为小于，第三个值为增加值</a:t>
+            </a:r>
+          </a:p>
+          <a:p>
+            <a:pPr marL="0" indent="0">
+              <a:buNone/>
+            </a:pPr>
+            <a:r>
+              <a:rPr lang="en-US" altLang="zh-CN" dirty="0"/>
+              <a:t>print(</a:t>
+            </a:r>
+            <a:r>
+              <a:rPr lang="en-US" altLang="zh-CN" dirty="0" err="1"/>
+              <a:t>i</a:t>
+            </a:r>
+            <a:r>
+              <a:rPr lang="en-US" altLang="zh-CN" dirty="0"/>
+              <a:t>)</a:t>
+            </a:r>
+          </a:p>
+          <a:p>
+            <a:pPr marL="0" indent="0">
+              <a:buNone/>
+            </a:pPr>
+            <a:r>
+              <a:rPr lang="en-US" altLang="zh-CN" dirty="0"/>
+              <a:t>for </a:t>
+            </a:r>
+            <a:r>
+              <a:rPr lang="en-US" altLang="zh-CN" dirty="0" err="1"/>
+              <a:t>i</a:t>
+            </a:r>
+            <a:r>
+              <a:rPr lang="en-US" altLang="zh-CN" dirty="0"/>
+              <a:t> in range(5-10,-100,-30): # </a:t>
+            </a:r>
+            <a:r>
+              <a:rPr lang="zh-CN" altLang="en-US" dirty="0"/>
+              <a:t>遍历出</a:t>
+            </a:r>
+            <a:r>
+              <a:rPr lang="en-US" altLang="zh-CN" dirty="0"/>
+              <a:t>-10,-40,-70</a:t>
+            </a:r>
+            <a:r>
+              <a:rPr lang="zh-CN" altLang="en-US" dirty="0"/>
+              <a:t>的值</a:t>
+            </a:r>
+          </a:p>
+          <a:p>
+            <a:pPr marL="0" indent="0">
+              <a:buNone/>
+            </a:pPr>
+            <a:r>
+              <a:rPr lang="en-US" altLang="zh-CN" dirty="0"/>
+              <a:t>print(</a:t>
+            </a:r>
+            <a:r>
+              <a:rPr lang="en-US" altLang="zh-CN" dirty="0" err="1"/>
+              <a:t>i</a:t>
+            </a:r>
+            <a:r>
+              <a:rPr lang="en-US" altLang="zh-CN" dirty="0"/>
+              <a:t>)</a:t>
+            </a:r>
+          </a:p>
+          <a:p>
+            <a:pPr marL="0" indent="0">
+              <a:buNone/>
+            </a:pPr>
+            <a:r>
+              <a:rPr lang="en-US" altLang="zh-CN" dirty="0"/>
+              <a:t>a = ['Google', 'Baidu', '</a:t>
+            </a:r>
+            <a:r>
+              <a:rPr lang="en-US" altLang="zh-CN" dirty="0" err="1"/>
+              <a:t>Sina</a:t>
+            </a:r>
+            <a:r>
+              <a:rPr lang="en-US" altLang="zh-CN" dirty="0"/>
+              <a:t>', '</a:t>
+            </a:r>
+            <a:r>
+              <a:rPr lang="en-US" altLang="zh-CN" dirty="0" err="1"/>
+              <a:t>Taobao</a:t>
+            </a:r>
+            <a:r>
+              <a:rPr lang="en-US" altLang="zh-CN" dirty="0"/>
+              <a:t>', 'QQ']</a:t>
+            </a:r>
+          </a:p>
+          <a:p>
+            <a:pPr marL="0" indent="0">
+              <a:buNone/>
+            </a:pPr>
+            <a:r>
+              <a:rPr lang="en-US" altLang="zh-CN" dirty="0"/>
+              <a:t>for </a:t>
+            </a:r>
+            <a:r>
+              <a:rPr lang="en-US" altLang="zh-CN" dirty="0" err="1"/>
+              <a:t>i</a:t>
+            </a:r>
+            <a:r>
+              <a:rPr lang="en-US" altLang="zh-CN" dirty="0"/>
+              <a:t> in range(</a:t>
+            </a:r>
+            <a:r>
+              <a:rPr lang="en-US" altLang="zh-CN" dirty="0" err="1"/>
+              <a:t>len</a:t>
+            </a:r>
+            <a:r>
+              <a:rPr lang="en-US" altLang="zh-CN" dirty="0"/>
+              <a:t>(a)): #</a:t>
+            </a:r>
+            <a:r>
+              <a:rPr lang="zh-CN" altLang="en-US" dirty="0"/>
+              <a:t>遍历列表</a:t>
+            </a:r>
+          </a:p>
+          <a:p>
+            <a:pPr marL="0" indent="0">
+              <a:buNone/>
+            </a:pPr>
+            <a:r>
+              <a:rPr lang="en-US" altLang="zh-CN" dirty="0"/>
+              <a:t>print(</a:t>
+            </a:r>
+            <a:r>
+              <a:rPr lang="en-US" altLang="zh-CN" dirty="0" err="1"/>
+              <a:t>i</a:t>
+            </a:r>
+            <a:r>
+              <a:rPr lang="en-US" altLang="zh-CN" dirty="0"/>
+              <a:t>, a[</a:t>
+            </a:r>
+            <a:r>
+              <a:rPr lang="en-US" altLang="zh-CN" dirty="0" err="1"/>
+              <a:t>i</a:t>
+            </a:r>
+            <a:r>
+              <a:rPr lang="en-US" altLang="zh-CN" dirty="0"/>
+              <a:t>])</a:t>
+            </a:r>
+          </a:p>
+          <a:p>
+            <a:endParaRPr lang="zh-CN" altLang="en-US" dirty="0"/>
+          </a:p>
+        </p:txBody>
+      </p:sp>
+    </p:spTree>
+    <p:extLst>
+      <p:ext uri="{BB962C8B-B14F-4D97-AF65-F5344CB8AC3E}">
+        <p14:creationId xmlns:p14="http://schemas.microsoft.com/office/powerpoint/2010/main" val="2333920691"/>
+      </p:ext>
+    </p:extLst>
+  </p:cSld>
+  <p:clrMapOvr>
+    <a:masterClrMapping/>
+  </p:clrMapOvr>
+</p:sld>
+</file>
+
+<file path=ppt/slides/slide53.xml><?xml version="1.0" encoding="utf-8"?>
+<p:sld xmlns:a="http://schemas.openxmlformats.org/drawingml/2006/main" xmlns:r="http://schemas.openxmlformats.org/officeDocument/2006/relationships" xmlns:p="http://schemas.openxmlformats.org/presentationml/2006/main">
+  <p:cSld>
+    <p:spTree>
+      <p:nvGrpSpPr>
+        <p:cNvPr id="1" name=""/>
+        <p:cNvGrpSpPr/>
+        <p:nvPr/>
+      </p:nvGrpSpPr>
+      <p:grpSpPr>
+        <a:xfrm>
+          <a:off x="0" y="0"/>
+          <a:ext cx="0" cy="0"/>
+          <a:chOff x="0" y="0"/>
+          <a:chExt cx="0" cy="0"/>
+        </a:xfrm>
+      </p:grpSpPr>
+      <p:sp>
+        <p:nvSpPr>
+          <p:cNvPr id="2" name="标题 1"/>
+          <p:cNvSpPr>
+            <a:spLocks noGrp="1"/>
+          </p:cNvSpPr>
+          <p:nvPr>
+            <p:ph type="title"/>
+          </p:nvPr>
+        </p:nvSpPr>
+        <p:spPr/>
+        <p:txBody>
+          <a:bodyPr/>
+          <a:lstStyle/>
+          <a:p>
+            <a:r>
+              <a:rPr lang="en-US" altLang="zh-CN" dirty="0"/>
+              <a:t>Python</a:t>
+            </a:r>
+            <a:r>
+              <a:rPr lang="zh-CN" altLang="en-US" dirty="0"/>
+              <a:t>的循环结构</a:t>
+            </a:r>
+          </a:p>
+        </p:txBody>
+      </p:sp>
+      <p:sp>
+        <p:nvSpPr>
+          <p:cNvPr id="3" name="内容占位符 2"/>
+          <p:cNvSpPr>
+            <a:spLocks noGrp="1"/>
+          </p:cNvSpPr>
+          <p:nvPr>
+            <p:ph idx="1"/>
+          </p:nvPr>
+        </p:nvSpPr>
+        <p:spPr/>
+        <p:txBody>
+          <a:bodyPr>
+            <a:normAutofit fontScale="70000" lnSpcReduction="20000"/>
+          </a:bodyPr>
+          <a:lstStyle/>
+          <a:p>
+            <a:pPr marL="0" indent="0">
+              <a:buNone/>
+            </a:pPr>
+            <a:r>
+              <a:rPr lang="en-US" altLang="zh-CN" dirty="0"/>
+              <a:t>4. break</a:t>
+            </a:r>
+            <a:r>
+              <a:rPr lang="zh-CN" altLang="en-US" dirty="0"/>
+              <a:t>和</a:t>
+            </a:r>
+            <a:r>
+              <a:rPr lang="en-US" altLang="zh-CN" dirty="0"/>
+              <a:t>continue</a:t>
+            </a:r>
+            <a:r>
+              <a:rPr lang="zh-CN" altLang="en-US" dirty="0"/>
+              <a:t>语句及循环中的</a:t>
+            </a:r>
+            <a:r>
+              <a:rPr lang="en-US" altLang="zh-CN" dirty="0"/>
+              <a:t>else</a:t>
+            </a:r>
+            <a:r>
+              <a:rPr lang="zh-CN" altLang="en-US" dirty="0"/>
+              <a:t>子句</a:t>
+            </a:r>
+          </a:p>
+          <a:p>
+            <a:pPr marL="0" indent="0">
+              <a:buNone/>
+            </a:pPr>
+            <a:r>
+              <a:rPr lang="en-US" altLang="zh-CN" dirty="0"/>
+              <a:t>•  break</a:t>
+            </a:r>
+            <a:r>
+              <a:rPr lang="zh-CN" altLang="en-US" dirty="0"/>
+              <a:t>作用</a:t>
+            </a:r>
+            <a:r>
+              <a:rPr lang="en-US" altLang="zh-CN" dirty="0"/>
+              <a:t>:</a:t>
+            </a:r>
+            <a:r>
+              <a:rPr lang="zh-CN" altLang="en-US" dirty="0"/>
+              <a:t>在循环中</a:t>
+            </a:r>
+            <a:r>
+              <a:rPr lang="en-US" altLang="zh-CN" dirty="0"/>
+              <a:t>break</a:t>
+            </a:r>
+            <a:r>
+              <a:rPr lang="zh-CN" altLang="en-US" dirty="0"/>
+              <a:t>的作用是终止当前循环结构的后续操作，一旦程序运行了</a:t>
+            </a:r>
+            <a:r>
+              <a:rPr lang="en-US" altLang="zh-CN" dirty="0"/>
+              <a:t>break</a:t>
+            </a:r>
+            <a:r>
+              <a:rPr lang="zh-CN" altLang="en-US" dirty="0"/>
+              <a:t>，循</a:t>
+            </a:r>
+          </a:p>
+          <a:p>
+            <a:pPr marL="0" indent="0">
+              <a:buNone/>
+            </a:pPr>
+            <a:r>
+              <a:rPr lang="zh-CN" altLang="en-US" dirty="0"/>
+              <a:t>环也就终止了！</a:t>
+            </a:r>
+          </a:p>
+          <a:p>
+            <a:pPr marL="0" indent="0">
+              <a:buNone/>
+            </a:pPr>
+            <a:r>
+              <a:rPr lang="en-US" altLang="zh-CN" dirty="0"/>
+              <a:t>•  break </a:t>
+            </a:r>
+            <a:r>
+              <a:rPr lang="zh-CN" altLang="en-US" dirty="0"/>
+              <a:t>语句可以跳出 </a:t>
+            </a:r>
+            <a:r>
+              <a:rPr lang="en-US" altLang="zh-CN" dirty="0"/>
+              <a:t>for </a:t>
+            </a:r>
+            <a:r>
+              <a:rPr lang="zh-CN" altLang="en-US" dirty="0"/>
+              <a:t>和 </a:t>
+            </a:r>
+            <a:r>
+              <a:rPr lang="en-US" altLang="zh-CN" dirty="0"/>
+              <a:t>while </a:t>
+            </a:r>
+            <a:r>
+              <a:rPr lang="zh-CN" altLang="en-US" dirty="0"/>
+              <a:t>的循环体。如果你从 </a:t>
+            </a:r>
+            <a:r>
+              <a:rPr lang="en-US" altLang="zh-CN" dirty="0"/>
+              <a:t>for </a:t>
+            </a:r>
+            <a:r>
+              <a:rPr lang="zh-CN" altLang="en-US" dirty="0"/>
+              <a:t>或 </a:t>
+            </a:r>
+            <a:r>
+              <a:rPr lang="en-US" altLang="zh-CN" dirty="0"/>
+              <a:t>while </a:t>
+            </a:r>
+            <a:r>
+              <a:rPr lang="zh-CN" altLang="en-US" dirty="0"/>
+              <a:t>循环中终止，任何对应的</a:t>
+            </a:r>
+          </a:p>
+          <a:p>
+            <a:pPr marL="0" indent="0">
+              <a:buNone/>
+            </a:pPr>
+            <a:r>
+              <a:rPr lang="zh-CN" altLang="en-US" dirty="0"/>
+              <a:t>循环 </a:t>
+            </a:r>
+            <a:r>
+              <a:rPr lang="en-US" altLang="zh-CN" dirty="0"/>
+              <a:t>else </a:t>
+            </a:r>
+            <a:r>
+              <a:rPr lang="zh-CN" altLang="en-US" dirty="0"/>
+              <a:t>块将不执行。</a:t>
+            </a:r>
+          </a:p>
+          <a:p>
+            <a:pPr marL="0" indent="0">
+              <a:buNone/>
+            </a:pPr>
+            <a:r>
+              <a:rPr lang="en-US" altLang="zh-CN" dirty="0"/>
+              <a:t>•  continue</a:t>
+            </a:r>
+            <a:r>
+              <a:rPr lang="zh-CN" altLang="en-US" dirty="0"/>
+              <a:t>语句被用来告诉</a:t>
+            </a:r>
+            <a:r>
+              <a:rPr lang="en-US" altLang="zh-CN" dirty="0"/>
+              <a:t>Python</a:t>
+            </a:r>
+            <a:r>
+              <a:rPr lang="zh-CN" altLang="en-US" dirty="0"/>
+              <a:t>跳过当前循环块中的剩余语句，然后继续进行下一轮循环。</a:t>
+            </a:r>
+          </a:p>
+          <a:p>
+            <a:pPr marL="0" indent="0">
+              <a:buNone/>
+            </a:pPr>
+            <a:r>
+              <a:rPr lang="en-US" altLang="zh-CN" dirty="0"/>
+              <a:t>•  </a:t>
+            </a:r>
+            <a:r>
+              <a:rPr lang="zh-CN" altLang="en-US" dirty="0"/>
+              <a:t>循环语句可以有 </a:t>
+            </a:r>
+            <a:r>
+              <a:rPr lang="en-US" altLang="zh-CN" dirty="0"/>
+              <a:t>else </a:t>
+            </a:r>
+            <a:r>
+              <a:rPr lang="zh-CN" altLang="en-US" dirty="0"/>
+              <a:t>子句，它在穷尽列表</a:t>
+            </a:r>
+            <a:r>
+              <a:rPr lang="en-US" altLang="zh-CN" dirty="0"/>
+              <a:t>(</a:t>
+            </a:r>
+            <a:r>
+              <a:rPr lang="zh-CN" altLang="en-US" dirty="0"/>
+              <a:t>以</a:t>
+            </a:r>
+            <a:r>
+              <a:rPr lang="en-US" altLang="zh-CN" dirty="0"/>
+              <a:t>for</a:t>
+            </a:r>
+            <a:r>
+              <a:rPr lang="zh-CN" altLang="en-US" dirty="0"/>
+              <a:t>循环</a:t>
+            </a:r>
+            <a:r>
+              <a:rPr lang="en-US" altLang="zh-CN" dirty="0"/>
+              <a:t>)</a:t>
+            </a:r>
+            <a:r>
+              <a:rPr lang="zh-CN" altLang="en-US" dirty="0"/>
+              <a:t>或条件变为 </a:t>
+            </a:r>
+            <a:r>
+              <a:rPr lang="en-US" altLang="zh-CN" dirty="0"/>
+              <a:t>false (</a:t>
+            </a:r>
+            <a:r>
+              <a:rPr lang="zh-CN" altLang="en-US" dirty="0"/>
+              <a:t>以</a:t>
+            </a:r>
+            <a:r>
+              <a:rPr lang="en-US" altLang="zh-CN" dirty="0"/>
+              <a:t>while</a:t>
+            </a:r>
+            <a:r>
+              <a:rPr lang="zh-CN" altLang="en-US" dirty="0"/>
+              <a:t>循环</a:t>
+            </a:r>
+            <a:r>
+              <a:rPr lang="en-US" altLang="zh-CN" dirty="0"/>
+              <a:t>)</a:t>
+            </a:r>
+            <a:r>
+              <a:rPr lang="zh-CN" altLang="en-US" dirty="0"/>
+              <a:t>导致循环</a:t>
+            </a:r>
+          </a:p>
+          <a:p>
+            <a:pPr marL="0" indent="0">
+              <a:buNone/>
+            </a:pPr>
+            <a:r>
+              <a:rPr lang="zh-CN" altLang="en-US" dirty="0"/>
+              <a:t>终止时被执行</a:t>
+            </a:r>
+            <a:r>
+              <a:rPr lang="en-US" altLang="zh-CN" dirty="0"/>
+              <a:t>,</a:t>
+            </a:r>
+            <a:r>
+              <a:rPr lang="zh-CN" altLang="en-US" dirty="0"/>
+              <a:t>但循环被</a:t>
+            </a:r>
+            <a:r>
+              <a:rPr lang="en-US" altLang="zh-CN" dirty="0"/>
+              <a:t>break</a:t>
+            </a:r>
+            <a:r>
+              <a:rPr lang="zh-CN" altLang="en-US" dirty="0"/>
+              <a:t>终止时不执行。</a:t>
+            </a:r>
+          </a:p>
+          <a:p>
+            <a:pPr marL="0" indent="0">
+              <a:buNone/>
+            </a:pPr>
+            <a:r>
+              <a:rPr lang="en-US" altLang="zh-CN" dirty="0"/>
+              <a:t>•  pass </a:t>
+            </a:r>
+            <a:r>
+              <a:rPr lang="zh-CN" altLang="en-US" dirty="0"/>
+              <a:t>语句</a:t>
+            </a:r>
+            <a:r>
+              <a:rPr lang="en-US" altLang="zh-CN" dirty="0"/>
+              <a:t>:</a:t>
+            </a:r>
+          </a:p>
+          <a:p>
+            <a:pPr marL="0" indent="0">
+              <a:buNone/>
+            </a:pPr>
+            <a:r>
+              <a:rPr lang="en-US" altLang="zh-CN" dirty="0"/>
+              <a:t>•  Python pass</a:t>
+            </a:r>
+            <a:r>
+              <a:rPr lang="zh-CN" altLang="en-US" dirty="0"/>
+              <a:t>是空语句，是为了保持程序结构的完整性。</a:t>
+            </a:r>
+          </a:p>
+          <a:p>
+            <a:pPr marL="0" indent="0">
+              <a:buNone/>
+            </a:pPr>
+            <a:r>
+              <a:rPr lang="en-US" altLang="zh-CN" dirty="0"/>
+              <a:t>•  pass </a:t>
+            </a:r>
+            <a:r>
+              <a:rPr lang="zh-CN" altLang="en-US" dirty="0"/>
+              <a:t>不做任何事情，一般用做占位</a:t>
+            </a:r>
+            <a:r>
+              <a:rPr lang="zh-CN" altLang="en-US" dirty="0" smtClean="0"/>
+              <a:t>语句</a:t>
+            </a:r>
+            <a:endParaRPr lang="zh-CN" altLang="en-US" dirty="0"/>
+          </a:p>
+        </p:txBody>
+      </p:sp>
+    </p:spTree>
+    <p:extLst>
+      <p:ext uri="{BB962C8B-B14F-4D97-AF65-F5344CB8AC3E}">
+        <p14:creationId xmlns:p14="http://schemas.microsoft.com/office/powerpoint/2010/main" val="2324698013"/>
+      </p:ext>
+    </p:extLst>
+  </p:cSld>
+  <p:clrMapOvr>
+    <a:masterClrMapping/>
+  </p:clrMapOvr>
+</p:sld>
+</file>
+
+<file path=ppt/slides/slide54.xml><?xml version="1.0" encoding="utf-8"?>
+<p:sld xmlns:a="http://schemas.openxmlformats.org/drawingml/2006/main" xmlns:r="http://schemas.openxmlformats.org/officeDocument/2006/relationships" xmlns:p="http://schemas.openxmlformats.org/presentationml/2006/main">
+  <p:cSld>
+    <p:spTree>
+      <p:nvGrpSpPr>
+        <p:cNvPr id="1" name=""/>
+        <p:cNvGrpSpPr/>
+        <p:nvPr/>
+      </p:nvGrpSpPr>
+      <p:grpSpPr>
+        <a:xfrm>
+          <a:off x="0" y="0"/>
+          <a:ext cx="0" cy="0"/>
+          <a:chOff x="0" y="0"/>
+          <a:chExt cx="0" cy="0"/>
+        </a:xfrm>
+      </p:grpSpPr>
+      <p:sp>
+        <p:nvSpPr>
+          <p:cNvPr id="2" name="标题 1"/>
+          <p:cNvSpPr>
+            <a:spLocks noGrp="1"/>
+          </p:cNvSpPr>
+          <p:nvPr>
+            <p:ph type="title"/>
+          </p:nvPr>
+        </p:nvSpPr>
+        <p:spPr/>
+        <p:txBody>
+          <a:bodyPr/>
+          <a:lstStyle/>
+          <a:p>
+            <a:r>
+              <a:rPr lang="zh-CN" altLang="en-US" dirty="0"/>
+              <a:t>实战：嵌套循环输出九九</a:t>
+            </a:r>
+            <a:r>
+              <a:rPr lang="zh-CN" altLang="en-US" dirty="0" smtClean="0"/>
+              <a:t>乘法表</a:t>
+            </a:r>
+            <a:endParaRPr lang="zh-CN" altLang="en-US" dirty="0"/>
+          </a:p>
+        </p:txBody>
+      </p:sp>
+      <p:sp>
+        <p:nvSpPr>
+          <p:cNvPr id="3" name="内容占位符 2"/>
+          <p:cNvSpPr>
+            <a:spLocks noGrp="1"/>
+          </p:cNvSpPr>
+          <p:nvPr>
+            <p:ph idx="1"/>
+          </p:nvPr>
+        </p:nvSpPr>
+        <p:spPr/>
+        <p:txBody>
+          <a:bodyPr/>
+          <a:lstStyle/>
+          <a:p>
+            <a:endParaRPr lang="zh-CN" altLang="en-US" dirty="0"/>
+          </a:p>
+        </p:txBody>
+      </p:sp>
+      <p:pic>
+        <p:nvPicPr>
+          <p:cNvPr id="11265" name="Picture 1" descr="E://YouDaoNotes/kurtcobain1988@163.com/ced0016abf30465da40a40e3fe7ecc6a/clipboard.png"/>
+          <p:cNvPicPr>
+            <a:picLocks noChangeAspect="1" noChangeArrowheads="1"/>
+          </p:cNvPicPr>
+          <p:nvPr/>
+        </p:nvPicPr>
+        <p:blipFill>
+          <a:blip r:embed="rId2">
+            <a:extLst>
+              <a:ext uri="{28A0092B-C50C-407E-A947-70E740481C1C}">
+                <a14:useLocalDpi xmlns:a14="http://schemas.microsoft.com/office/drawing/2010/main" val="0"/>
+              </a:ext>
+            </a:extLst>
+          </a:blip>
+          <a:srcRect/>
+          <a:stretch>
+            <a:fillRect/>
+          </a:stretch>
+        </p:blipFill>
+        <p:spPr bwMode="auto">
+          <a:xfrm>
+            <a:off x="838200" y="1381540"/>
+            <a:ext cx="10096500" cy="2714625"/>
+          </a:xfrm>
+          <a:prstGeom prst="rect">
+            <a:avLst/>
+          </a:prstGeom>
+          <a:noFill/>
+          <a:extLst>
+            <a:ext uri="{909E8E84-426E-40DD-AFC4-6F175D3DCCD1}">
+              <a14:hiddenFill xmlns:a14="http://schemas.microsoft.com/office/drawing/2010/main">
+                <a:solidFill>
+                  <a:srgbClr val="FFFFFF"/>
+                </a:solidFill>
+              </a14:hiddenFill>
+            </a:ext>
+          </a:extLst>
+        </p:spPr>
+      </p:pic>
+      <p:pic>
+        <p:nvPicPr>
+          <p:cNvPr id="11266" name="Picture 2" descr="E://YouDaoNotes/kurtcobain1988@163.com/f17c928e279641f8a0853eb8b993efcf/clipboard.png"/>
+          <p:cNvPicPr>
+            <a:picLocks noChangeAspect="1" noChangeArrowheads="1"/>
+          </p:cNvPicPr>
+          <p:nvPr/>
+        </p:nvPicPr>
+        <p:blipFill>
+          <a:blip r:embed="rId3">
+            <a:extLst>
+              <a:ext uri="{28A0092B-C50C-407E-A947-70E740481C1C}">
+                <a14:useLocalDpi xmlns:a14="http://schemas.microsoft.com/office/drawing/2010/main" val="0"/>
+              </a:ext>
+            </a:extLst>
+          </a:blip>
+          <a:srcRect/>
+          <a:stretch>
+            <a:fillRect/>
+          </a:stretch>
+        </p:blipFill>
+        <p:spPr bwMode="auto">
+          <a:xfrm>
+            <a:off x="838200" y="4143375"/>
+            <a:ext cx="10086975" cy="2714625"/>
+          </a:xfrm>
+          <a:prstGeom prst="rect">
+            <a:avLst/>
+          </a:prstGeom>
+          <a:noFill/>
+          <a:extLst>
+            <a:ext uri="{909E8E84-426E-40DD-AFC4-6F175D3DCCD1}">
+              <a14:hiddenFill xmlns:a14="http://schemas.microsoft.com/office/drawing/2010/main">
+                <a:solidFill>
+                  <a:srgbClr val="FFFFFF"/>
+                </a:solidFill>
+              </a14:hiddenFill>
+            </a:ext>
+          </a:extLst>
+        </p:spPr>
+      </p:pic>
+    </p:spTree>
+    <p:extLst>
+      <p:ext uri="{BB962C8B-B14F-4D97-AF65-F5344CB8AC3E}">
+        <p14:creationId xmlns:p14="http://schemas.microsoft.com/office/powerpoint/2010/main" val="309971921"/>
       </p:ext>
     </p:extLst>
   </p:cSld>

--- a/PPT/Python01.pptx
+++ b/PPT/Python01.pptx
@@ -358,7 +358,7 @@
           <a:p>
             <a:fld id="{E367A65E-C0B5-4359-B3F1-9931383D76D0}" type="datetimeFigureOut">
               <a:rPr lang="zh-CN" altLang="en-US" smtClean="0"/>
-              <a:t>2018/10/23</a:t>
+              <a:t>2018/10/24</a:t>
             </a:fld>
             <a:endParaRPr lang="zh-CN" altLang="en-US"/>
           </a:p>
@@ -528,7 +528,7 @@
           <a:p>
             <a:fld id="{E367A65E-C0B5-4359-B3F1-9931383D76D0}" type="datetimeFigureOut">
               <a:rPr lang="zh-CN" altLang="en-US" smtClean="0"/>
-              <a:t>2018/10/23</a:t>
+              <a:t>2018/10/24</a:t>
             </a:fld>
             <a:endParaRPr lang="zh-CN" altLang="en-US"/>
           </a:p>
@@ -708,7 +708,7 @@
           <a:p>
             <a:fld id="{E367A65E-C0B5-4359-B3F1-9931383D76D0}" type="datetimeFigureOut">
               <a:rPr lang="zh-CN" altLang="en-US" smtClean="0"/>
-              <a:t>2018/10/23</a:t>
+              <a:t>2018/10/24</a:t>
             </a:fld>
             <a:endParaRPr lang="zh-CN" altLang="en-US"/>
           </a:p>
@@ -878,7 +878,7 @@
           <a:p>
             <a:fld id="{E367A65E-C0B5-4359-B3F1-9931383D76D0}" type="datetimeFigureOut">
               <a:rPr lang="zh-CN" altLang="en-US" smtClean="0"/>
-              <a:t>2018/10/23</a:t>
+              <a:t>2018/10/24</a:t>
             </a:fld>
             <a:endParaRPr lang="zh-CN" altLang="en-US"/>
           </a:p>
@@ -1124,7 +1124,7 @@
           <a:p>
             <a:fld id="{E367A65E-C0B5-4359-B3F1-9931383D76D0}" type="datetimeFigureOut">
               <a:rPr lang="zh-CN" altLang="en-US" smtClean="0"/>
-              <a:t>2018/10/23</a:t>
+              <a:t>2018/10/24</a:t>
             </a:fld>
             <a:endParaRPr lang="zh-CN" altLang="en-US"/>
           </a:p>
@@ -1356,7 +1356,7 @@
           <a:p>
             <a:fld id="{E367A65E-C0B5-4359-B3F1-9931383D76D0}" type="datetimeFigureOut">
               <a:rPr lang="zh-CN" altLang="en-US" smtClean="0"/>
-              <a:t>2018/10/23</a:t>
+              <a:t>2018/10/24</a:t>
             </a:fld>
             <a:endParaRPr lang="zh-CN" altLang="en-US"/>
           </a:p>
@@ -1723,7 +1723,7 @@
           <a:p>
             <a:fld id="{E367A65E-C0B5-4359-B3F1-9931383D76D0}" type="datetimeFigureOut">
               <a:rPr lang="zh-CN" altLang="en-US" smtClean="0"/>
-              <a:t>2018/10/23</a:t>
+              <a:t>2018/10/24</a:t>
             </a:fld>
             <a:endParaRPr lang="zh-CN" altLang="en-US"/>
           </a:p>
@@ -1841,7 +1841,7 @@
           <a:p>
             <a:fld id="{E367A65E-C0B5-4359-B3F1-9931383D76D0}" type="datetimeFigureOut">
               <a:rPr lang="zh-CN" altLang="en-US" smtClean="0"/>
-              <a:t>2018/10/23</a:t>
+              <a:t>2018/10/24</a:t>
             </a:fld>
             <a:endParaRPr lang="zh-CN" altLang="en-US"/>
           </a:p>
@@ -1936,7 +1936,7 @@
           <a:p>
             <a:fld id="{E367A65E-C0B5-4359-B3F1-9931383D76D0}" type="datetimeFigureOut">
               <a:rPr lang="zh-CN" altLang="en-US" smtClean="0"/>
-              <a:t>2018/10/23</a:t>
+              <a:t>2018/10/24</a:t>
             </a:fld>
             <a:endParaRPr lang="zh-CN" altLang="en-US"/>
           </a:p>
@@ -2213,7 +2213,7 @@
           <a:p>
             <a:fld id="{E367A65E-C0B5-4359-B3F1-9931383D76D0}" type="datetimeFigureOut">
               <a:rPr lang="zh-CN" altLang="en-US" smtClean="0"/>
-              <a:t>2018/10/23</a:t>
+              <a:t>2018/10/24</a:t>
             </a:fld>
             <a:endParaRPr lang="zh-CN" altLang="en-US"/>
           </a:p>
@@ -2466,7 +2466,7 @@
           <a:p>
             <a:fld id="{E367A65E-C0B5-4359-B3F1-9931383D76D0}" type="datetimeFigureOut">
               <a:rPr lang="zh-CN" altLang="en-US" smtClean="0"/>
-              <a:t>2018/10/23</a:t>
+              <a:t>2018/10/24</a:t>
             </a:fld>
             <a:endParaRPr lang="zh-CN" altLang="en-US"/>
           </a:p>
@@ -2679,7 +2679,7 @@
           <a:p>
             <a:fld id="{E367A65E-C0B5-4359-B3F1-9931383D76D0}" type="datetimeFigureOut">
               <a:rPr lang="zh-CN" altLang="en-US" smtClean="0"/>
-              <a:t>2018/10/23</a:t>
+              <a:t>2018/10/24</a:t>
             </a:fld>
             <a:endParaRPr lang="zh-CN" altLang="en-US"/>
           </a:p>
@@ -5922,11 +5922,7 @@
           <a:p>
             <a:r>
               <a:rPr lang="zh-CN" altLang="en-US" dirty="0" smtClean="0"/>
-              <a:t>实战：</a:t>
-            </a:r>
-            <a:r>
-              <a:rPr lang="zh-CN" altLang="en-US" dirty="0" smtClean="0"/>
-              <a:t>写出九九乘法表</a:t>
+              <a:t>实战：写出九九乘法表</a:t>
             </a:r>
             <a:endParaRPr lang="zh-CN" altLang="en-US" dirty="0"/>
           </a:p>
@@ -7475,11 +7471,15 @@
             </a:r>
             <a:r>
               <a:rPr lang="en-US" altLang="zh-CN" dirty="0" err="1" smtClean="0"/>
-              <a:t>Git</a:t>
+              <a:t>Github</a:t>
             </a:r>
             <a:r>
               <a:rPr lang="zh-CN" altLang="en-US" dirty="0" smtClean="0"/>
-              <a:t>与下载</a:t>
+              <a:t>与</a:t>
+            </a:r>
+            <a:r>
+              <a:rPr lang="zh-CN" altLang="en-US" dirty="0" smtClean="0"/>
+              <a:t>下载</a:t>
             </a:r>
             <a:r>
               <a:rPr lang="en-US" altLang="zh-CN" dirty="0" err="1" smtClean="0"/>
@@ -7558,7 +7558,44 @@
             </a:r>
             <a:r>
               <a:rPr lang="en-US" altLang="zh-CN" dirty="0" smtClean="0"/>
-              <a:t> push -u origin master</a:t>
+              <a:t> push -u origin </a:t>
+            </a:r>
+            <a:r>
+              <a:rPr lang="en-US" altLang="zh-CN" dirty="0" smtClean="0"/>
+              <a:t>master</a:t>
+            </a:r>
+          </a:p>
+          <a:p>
+            <a:pPr marL="457200" lvl="1" indent="0">
+              <a:buNone/>
+            </a:pPr>
+            <a:endParaRPr lang="en-US" altLang="zh-CN" dirty="0"/>
+          </a:p>
+          <a:p>
+            <a:pPr marL="0" indent="0">
+              <a:buNone/>
+            </a:pPr>
+            <a:r>
+              <a:rPr lang="en-US" altLang="zh-CN" dirty="0" smtClean="0"/>
+              <a:t>Mac</a:t>
+            </a:r>
+            <a:r>
+              <a:rPr lang="zh-CN" altLang="en-US" dirty="0" smtClean="0"/>
+              <a:t>安装</a:t>
+            </a:r>
+            <a:endParaRPr lang="en-US" altLang="zh-CN" dirty="0"/>
+          </a:p>
+          <a:p>
+            <a:pPr marL="457200" lvl="1" indent="0">
+              <a:buNone/>
+            </a:pPr>
+            <a:r>
+              <a:rPr lang="en-US" altLang="zh-CN" dirty="0" smtClean="0"/>
+              <a:t>Brew install </a:t>
+            </a:r>
+            <a:r>
+              <a:rPr lang="en-US" altLang="zh-CN" dirty="0" err="1" smtClean="0"/>
+              <a:t>Git</a:t>
             </a:r>
             <a:endParaRPr lang="zh-CN" altLang="en-US" dirty="0"/>
           </a:p>

--- a/PPT/Python01.pptx
+++ b/PPT/Python01.pptx
@@ -358,7 +358,7 @@
           <a:p>
             <a:fld id="{E367A65E-C0B5-4359-B3F1-9931383D76D0}" type="datetimeFigureOut">
               <a:rPr lang="zh-CN" altLang="en-US" smtClean="0"/>
-              <a:t>2018/10/24</a:t>
+              <a:t>2018/10/31</a:t>
             </a:fld>
             <a:endParaRPr lang="zh-CN" altLang="en-US"/>
           </a:p>
@@ -528,7 +528,7 @@
           <a:p>
             <a:fld id="{E367A65E-C0B5-4359-B3F1-9931383D76D0}" type="datetimeFigureOut">
               <a:rPr lang="zh-CN" altLang="en-US" smtClean="0"/>
-              <a:t>2018/10/24</a:t>
+              <a:t>2018/10/31</a:t>
             </a:fld>
             <a:endParaRPr lang="zh-CN" altLang="en-US"/>
           </a:p>
@@ -708,7 +708,7 @@
           <a:p>
             <a:fld id="{E367A65E-C0B5-4359-B3F1-9931383D76D0}" type="datetimeFigureOut">
               <a:rPr lang="zh-CN" altLang="en-US" smtClean="0"/>
-              <a:t>2018/10/24</a:t>
+              <a:t>2018/10/31</a:t>
             </a:fld>
             <a:endParaRPr lang="zh-CN" altLang="en-US"/>
           </a:p>
@@ -878,7 +878,7 @@
           <a:p>
             <a:fld id="{E367A65E-C0B5-4359-B3F1-9931383D76D0}" type="datetimeFigureOut">
               <a:rPr lang="zh-CN" altLang="en-US" smtClean="0"/>
-              <a:t>2018/10/24</a:t>
+              <a:t>2018/10/31</a:t>
             </a:fld>
             <a:endParaRPr lang="zh-CN" altLang="en-US"/>
           </a:p>
@@ -1124,7 +1124,7 @@
           <a:p>
             <a:fld id="{E367A65E-C0B5-4359-B3F1-9931383D76D0}" type="datetimeFigureOut">
               <a:rPr lang="zh-CN" altLang="en-US" smtClean="0"/>
-              <a:t>2018/10/24</a:t>
+              <a:t>2018/10/31</a:t>
             </a:fld>
             <a:endParaRPr lang="zh-CN" altLang="en-US"/>
           </a:p>
@@ -1356,7 +1356,7 @@
           <a:p>
             <a:fld id="{E367A65E-C0B5-4359-B3F1-9931383D76D0}" type="datetimeFigureOut">
               <a:rPr lang="zh-CN" altLang="en-US" smtClean="0"/>
-              <a:t>2018/10/24</a:t>
+              <a:t>2018/10/31</a:t>
             </a:fld>
             <a:endParaRPr lang="zh-CN" altLang="en-US"/>
           </a:p>
@@ -1723,7 +1723,7 @@
           <a:p>
             <a:fld id="{E367A65E-C0B5-4359-B3F1-9931383D76D0}" type="datetimeFigureOut">
               <a:rPr lang="zh-CN" altLang="en-US" smtClean="0"/>
-              <a:t>2018/10/24</a:t>
+              <a:t>2018/10/31</a:t>
             </a:fld>
             <a:endParaRPr lang="zh-CN" altLang="en-US"/>
           </a:p>
@@ -1841,7 +1841,7 @@
           <a:p>
             <a:fld id="{E367A65E-C0B5-4359-B3F1-9931383D76D0}" type="datetimeFigureOut">
               <a:rPr lang="zh-CN" altLang="en-US" smtClean="0"/>
-              <a:t>2018/10/24</a:t>
+              <a:t>2018/10/31</a:t>
             </a:fld>
             <a:endParaRPr lang="zh-CN" altLang="en-US"/>
           </a:p>
@@ -1936,7 +1936,7 @@
           <a:p>
             <a:fld id="{E367A65E-C0B5-4359-B3F1-9931383D76D0}" type="datetimeFigureOut">
               <a:rPr lang="zh-CN" altLang="en-US" smtClean="0"/>
-              <a:t>2018/10/24</a:t>
+              <a:t>2018/10/31</a:t>
             </a:fld>
             <a:endParaRPr lang="zh-CN" altLang="en-US"/>
           </a:p>
@@ -2213,7 +2213,7 @@
           <a:p>
             <a:fld id="{E367A65E-C0B5-4359-B3F1-9931383D76D0}" type="datetimeFigureOut">
               <a:rPr lang="zh-CN" altLang="en-US" smtClean="0"/>
-              <a:t>2018/10/24</a:t>
+              <a:t>2018/10/31</a:t>
             </a:fld>
             <a:endParaRPr lang="zh-CN" altLang="en-US"/>
           </a:p>
@@ -2466,7 +2466,7 @@
           <a:p>
             <a:fld id="{E367A65E-C0B5-4359-B3F1-9931383D76D0}" type="datetimeFigureOut">
               <a:rPr lang="zh-CN" altLang="en-US" smtClean="0"/>
-              <a:t>2018/10/24</a:t>
+              <a:t>2018/10/31</a:t>
             </a:fld>
             <a:endParaRPr lang="zh-CN" altLang="en-US"/>
           </a:p>
@@ -2679,7 +2679,7 @@
           <a:p>
             <a:fld id="{E367A65E-C0B5-4359-B3F1-9931383D76D0}" type="datetimeFigureOut">
               <a:rPr lang="zh-CN" altLang="en-US" smtClean="0"/>
-              <a:t>2018/10/24</a:t>
+              <a:t>2018/10/31</a:t>
             </a:fld>
             <a:endParaRPr lang="zh-CN" altLang="en-US"/>
           </a:p>
@@ -7475,11 +7475,7 @@
             </a:r>
             <a:r>
               <a:rPr lang="zh-CN" altLang="en-US" dirty="0" smtClean="0"/>
-              <a:t>与</a:t>
-            </a:r>
-            <a:r>
-              <a:rPr lang="zh-CN" altLang="en-US" dirty="0" smtClean="0"/>
-              <a:t>下载</a:t>
+              <a:t>与下载</a:t>
             </a:r>
             <a:r>
               <a:rPr lang="en-US" altLang="zh-CN" dirty="0" err="1" smtClean="0"/>
@@ -7558,11 +7554,7 @@
             </a:r>
             <a:r>
               <a:rPr lang="en-US" altLang="zh-CN" dirty="0" smtClean="0"/>
-              <a:t> push -u origin </a:t>
-            </a:r>
-            <a:r>
-              <a:rPr lang="en-US" altLang="zh-CN" dirty="0" smtClean="0"/>
-              <a:t>master</a:t>
+              <a:t> push -u origin master</a:t>
             </a:r>
           </a:p>
           <a:p>
@@ -8875,7 +8867,7 @@
               <a:rPr lang="en-US" altLang="zh-CN" dirty="0" smtClean="0">
                 <a:effectLst/>
               </a:rPr>
-              <a:t>()</a:t>
+              <a:t>(\)</a:t>
             </a:r>
             <a:r>
               <a:rPr lang="zh-CN" altLang="en-US" dirty="0" smtClean="0">
@@ -9041,10 +9033,10 @@
               <a:t>使用反斜杠</a:t>
             </a:r>
             <a:r>
-              <a:rPr lang="en-US" altLang="zh-CN" dirty="0" smtClean="0">
-                <a:effectLst/>
-              </a:rPr>
-              <a:t>()</a:t>
+              <a:rPr lang="en-US" altLang="zh-CN" smtClean="0">
+                <a:effectLst/>
+              </a:rPr>
+              <a:t>(\)</a:t>
             </a:r>
             <a:r>
               <a:rPr lang="zh-CN" altLang="en-US" dirty="0" smtClean="0">
